--- a/docs/project.pptx
+++ b/docs/project.pptx
@@ -5,21 +5,25 @@
     <p:sldMasterId id="2147483864" r:id="rId1"/>
   </p:sldMasterIdLst>
   <p:notesMasterIdLst>
-    <p:notesMasterId r:id="rId14"/>
+    <p:notesMasterId r:id="rId18"/>
   </p:notesMasterIdLst>
   <p:sldIdLst>
     <p:sldId id="256" r:id="rId2"/>
     <p:sldId id="257" r:id="rId3"/>
-    <p:sldId id="259" r:id="rId4"/>
-    <p:sldId id="258" r:id="rId5"/>
-    <p:sldId id="262" r:id="rId6"/>
-    <p:sldId id="263" r:id="rId7"/>
-    <p:sldId id="260" r:id="rId8"/>
-    <p:sldId id="261" r:id="rId9"/>
-    <p:sldId id="266" r:id="rId10"/>
-    <p:sldId id="264" r:id="rId11"/>
-    <p:sldId id="265" r:id="rId12"/>
-    <p:sldId id="267" r:id="rId13"/>
+    <p:sldId id="258" r:id="rId4"/>
+    <p:sldId id="262" r:id="rId5"/>
+    <p:sldId id="263" r:id="rId6"/>
+    <p:sldId id="260" r:id="rId7"/>
+    <p:sldId id="270" r:id="rId8"/>
+    <p:sldId id="272" r:id="rId9"/>
+    <p:sldId id="273" r:id="rId10"/>
+    <p:sldId id="271" r:id="rId11"/>
+    <p:sldId id="264" r:id="rId12"/>
+    <p:sldId id="268" r:id="rId13"/>
+    <p:sldId id="261" r:id="rId14"/>
+    <p:sldId id="269" r:id="rId15"/>
+    <p:sldId id="265" r:id="rId16"/>
+    <p:sldId id="267" r:id="rId17"/>
   </p:sldIdLst>
   <p:sldSz cx="12192000" cy="6858000"/>
   <p:notesSz cx="6858000" cy="9144000"/>
@@ -118,6 +122,11 @@
       </a:defRPr>
     </a:lvl9pPr>
   </p:defaultTextStyle>
+  <p:extLst>
+    <p:ext uri="{EFAFB233-063F-42B5-8137-9DF3F51BA10A}">
+      <p15:sldGuideLst xmlns:p15="http://schemas.microsoft.com/office/powerpoint/2012/main"/>
+    </p:ext>
+  </p:extLst>
 </p:presentation>
 </file>
 
@@ -203,7 +212,7 @@
           <a:p>
             <a:fld id="{FDC9F90C-620F-B242-92B9-B76E0FDDB672}" type="datetimeFigureOut">
               <a:rPr kumimoji="1" lang="zh-TW" altLang="en-US" smtClean="0"/>
-              <a:t>2019/1/13</a:t>
+              <a:t>2019/1/14</a:t>
             </a:fld>
             <a:endParaRPr kumimoji="1" lang="zh-TW" altLang="en-US"/>
           </a:p>
@@ -555,90 +564,6 @@
 </p:notes>
 </file>
 
-<file path=ppt/notesSlides/notesSlide2.xml><?xml version="1.0" encoding="utf-8"?>
-<p:notes xmlns:a="http://schemas.openxmlformats.org/drawingml/2006/main" xmlns:r="http://schemas.openxmlformats.org/officeDocument/2006/relationships" xmlns:p="http://schemas.openxmlformats.org/presentationml/2006/main">
-  <p:cSld>
-    <p:spTree>
-      <p:nvGrpSpPr>
-        <p:cNvPr id="1" name=""/>
-        <p:cNvGrpSpPr/>
-        <p:nvPr/>
-      </p:nvGrpSpPr>
-      <p:grpSpPr>
-        <a:xfrm>
-          <a:off x="0" y="0"/>
-          <a:ext cx="0" cy="0"/>
-          <a:chOff x="0" y="0"/>
-          <a:chExt cx="0" cy="0"/>
-        </a:xfrm>
-      </p:grpSpPr>
-      <p:sp>
-        <p:nvSpPr>
-          <p:cNvPr id="2" name="投影片影像版面配置區 1"/>
-          <p:cNvSpPr>
-            <a:spLocks noGrp="1" noRot="1" noChangeAspect="1"/>
-          </p:cNvSpPr>
-          <p:nvPr>
-            <p:ph type="sldImg"/>
-          </p:nvPr>
-        </p:nvSpPr>
-        <p:spPr/>
-      </p:sp>
-      <p:sp>
-        <p:nvSpPr>
-          <p:cNvPr id="3" name="備忘稿版面配置區 2"/>
-          <p:cNvSpPr>
-            <a:spLocks noGrp="1"/>
-          </p:cNvSpPr>
-          <p:nvPr>
-            <p:ph type="body" idx="1"/>
-          </p:nvPr>
-        </p:nvSpPr>
-        <p:spPr/>
-        <p:txBody>
-          <a:bodyPr/>
-          <a:lstStyle/>
-          <a:p>
-            <a:endParaRPr kumimoji="1" lang="zh-TW" altLang="en-US" dirty="0"/>
-          </a:p>
-        </p:txBody>
-      </p:sp>
-      <p:sp>
-        <p:nvSpPr>
-          <p:cNvPr id="4" name="投影片編號版面配置區 3"/>
-          <p:cNvSpPr>
-            <a:spLocks noGrp="1"/>
-          </p:cNvSpPr>
-          <p:nvPr>
-            <p:ph type="sldNum" sz="quarter" idx="10"/>
-          </p:nvPr>
-        </p:nvSpPr>
-        <p:spPr/>
-        <p:txBody>
-          <a:bodyPr/>
-          <a:lstStyle/>
-          <a:p>
-            <a:fld id="{031DF5FE-FBBB-C24C-A75C-5F3589DD5384}" type="slidenum">
-              <a:rPr kumimoji="1" lang="zh-TW" altLang="en-US" smtClean="0"/>
-              <a:t>9</a:t>
-            </a:fld>
-            <a:endParaRPr kumimoji="1" lang="zh-TW" altLang="en-US"/>
-          </a:p>
-        </p:txBody>
-      </p:sp>
-    </p:spTree>
-    <p:extLst>
-      <p:ext uri="{BB962C8B-B14F-4D97-AF65-F5344CB8AC3E}">
-        <p14:creationId xmlns:p14="http://schemas.microsoft.com/office/powerpoint/2010/main" val="1124608796"/>
-      </p:ext>
-    </p:extLst>
-  </p:cSld>
-  <p:clrMapOvr>
-    <a:masterClrMapping/>
-  </p:clrMapOvr>
-</p:notes>
-</file>
-
 <file path=ppt/slideLayouts/slideLayout1.xml><?xml version="1.0" encoding="utf-8"?>
 <p:sldLayout xmlns:a="http://schemas.openxmlformats.org/drawingml/2006/main" xmlns:r="http://schemas.openxmlformats.org/officeDocument/2006/relationships" xmlns:p="http://schemas.openxmlformats.org/presentationml/2006/main" showMasterSp="0" type="title" preserve="1">
   <p:cSld name="標題投影片">
@@ -866,7 +791,7 @@
             <a:fld id="{5586B75A-687E-405C-8A0B-8D00578BA2C3}" type="datetimeFigureOut">
               <a:rPr lang="en-US" smtClean="0"/>
               <a:pPr/>
-              <a:t>1/13/19</a:t>
+              <a:t>1/14/19</a:t>
             </a:fld>
             <a:endParaRPr lang="en-US" dirty="0"/>
           </a:p>
@@ -1071,7 +996,7 @@
             <a:fld id="{5586B75A-687E-405C-8A0B-8D00578BA2C3}" type="datetimeFigureOut">
               <a:rPr lang="en-US" smtClean="0"/>
               <a:pPr/>
-              <a:t>1/13/19</a:t>
+              <a:t>1/14/19</a:t>
             </a:fld>
             <a:endParaRPr lang="en-US" dirty="0"/>
           </a:p>
@@ -1324,7 +1249,7 @@
             <a:fld id="{5586B75A-687E-405C-8A0B-8D00578BA2C3}" type="datetimeFigureOut">
               <a:rPr lang="en-US" smtClean="0"/>
               <a:pPr/>
-              <a:t>1/13/19</a:t>
+              <a:t>1/14/19</a:t>
             </a:fld>
             <a:endParaRPr lang="en-US" dirty="0"/>
           </a:p>
@@ -1491,7 +1416,7 @@
             <a:fld id="{5586B75A-687E-405C-8A0B-8D00578BA2C3}" type="datetimeFigureOut">
               <a:rPr lang="en-US" smtClean="0"/>
               <a:pPr/>
-              <a:t>1/13/19</a:t>
+              <a:t>1/14/19</a:t>
             </a:fld>
             <a:endParaRPr lang="en-US" dirty="0"/>
           </a:p>
@@ -1831,7 +1756,7 @@
             <a:fld id="{5586B75A-687E-405C-8A0B-8D00578BA2C3}" type="datetimeFigureOut">
               <a:rPr lang="en-US" smtClean="0"/>
               <a:pPr/>
-              <a:t>1/13/19</a:t>
+              <a:t>1/14/19</a:t>
             </a:fld>
             <a:endParaRPr lang="en-US" dirty="0"/>
           </a:p>
@@ -2103,7 +2028,7 @@
             <a:fld id="{5586B75A-687E-405C-8A0B-8D00578BA2C3}" type="datetimeFigureOut">
               <a:rPr lang="en-US" smtClean="0"/>
               <a:pPr/>
-              <a:t>1/13/19</a:t>
+              <a:t>1/14/19</a:t>
             </a:fld>
             <a:endParaRPr lang="en-US" dirty="0"/>
           </a:p>
@@ -2479,7 +2404,7 @@
             <a:fld id="{5586B75A-687E-405C-8A0B-8D00578BA2C3}" type="datetimeFigureOut">
               <a:rPr lang="en-US" smtClean="0"/>
               <a:pPr/>
-              <a:t>1/13/19</a:t>
+              <a:t>1/14/19</a:t>
             </a:fld>
             <a:endParaRPr lang="en-US" dirty="0"/>
           </a:p>
@@ -2594,7 +2519,7 @@
             <a:fld id="{5586B75A-687E-405C-8A0B-8D00578BA2C3}" type="datetimeFigureOut">
               <a:rPr lang="en-US" smtClean="0"/>
               <a:pPr/>
-              <a:t>1/13/19</a:t>
+              <a:t>1/14/19</a:t>
             </a:fld>
             <a:endParaRPr lang="en-US" dirty="0"/>
           </a:p>
@@ -2762,7 +2687,7 @@
             <a:fld id="{5586B75A-687E-405C-8A0B-8D00578BA2C3}" type="datetimeFigureOut">
               <a:rPr lang="en-US" smtClean="0"/>
               <a:pPr/>
-              <a:t>1/13/19</a:t>
+              <a:t>1/14/19</a:t>
             </a:fld>
             <a:endParaRPr lang="en-US" dirty="0"/>
           </a:p>
@@ -3113,7 +3038,7 @@
             <a:fld id="{5586B75A-687E-405C-8A0B-8D00578BA2C3}" type="datetimeFigureOut">
               <a:rPr lang="en-US" smtClean="0"/>
               <a:pPr/>
-              <a:t>1/13/19</a:t>
+              <a:t>1/14/19</a:t>
             </a:fld>
             <a:endParaRPr lang="en-US" dirty="0"/>
           </a:p>
@@ -3487,7 +3412,7 @@
             <a:fld id="{5586B75A-687E-405C-8A0B-8D00578BA2C3}" type="datetimeFigureOut">
               <a:rPr lang="en-US" smtClean="0"/>
               <a:pPr/>
-              <a:t>1/13/19</a:t>
+              <a:t>1/14/19</a:t>
             </a:fld>
             <a:endParaRPr lang="en-US" dirty="0"/>
           </a:p>
@@ -3771,7 +3696,7 @@
             <a:fld id="{5586B75A-687E-405C-8A0B-8D00578BA2C3}" type="datetimeFigureOut">
               <a:rPr lang="en-US" smtClean="0"/>
               <a:pPr/>
-              <a:t>1/13/19</a:t>
+              <a:t>1/14/19</a:t>
             </a:fld>
             <a:endParaRPr lang="en-US" dirty="0"/>
           </a:p>
@@ -4416,8 +4341,16 @@
           <a:lstStyle/>
           <a:p>
             <a:r>
+              <a:rPr kumimoji="1" lang="en-US" altLang="zh-TW" dirty="0" err="1" smtClean="0"/>
+              <a:t>Libsvm</a:t>
+            </a:r>
+            <a:r>
               <a:rPr kumimoji="1" lang="en-US" altLang="zh-TW" dirty="0" smtClean="0"/>
-              <a:t>Results</a:t>
+              <a:t> </a:t>
+            </a:r>
+            <a:r>
+              <a:rPr kumimoji="1" lang="zh-TW" altLang="en-US" dirty="0" smtClean="0"/>
+              <a:t>圖表</a:t>
             </a:r>
             <a:endParaRPr kumimoji="1" lang="zh-TW" altLang="en-US" dirty="0"/>
           </a:p>
@@ -4445,7 +4378,7 @@
     </p:spTree>
     <p:extLst>
       <p:ext uri="{BB962C8B-B14F-4D97-AF65-F5344CB8AC3E}">
-        <p14:creationId xmlns:p14="http://schemas.microsoft.com/office/powerpoint/2010/main" val="313288541"/>
+        <p14:creationId xmlns:p14="http://schemas.microsoft.com/office/powerpoint/2010/main" val="944058084"/>
       </p:ext>
     </p:extLst>
   </p:cSld>
@@ -4488,25 +4421,2159 @@
           <a:lstStyle/>
           <a:p>
             <a:r>
+              <a:rPr kumimoji="1" lang="en-US" altLang="zh-TW" dirty="0" smtClean="0"/>
+              <a:t>Results</a:t>
+            </a:r>
+            <a:endParaRPr kumimoji="1" lang="zh-TW" altLang="en-US" dirty="0"/>
+          </a:p>
+        </p:txBody>
+      </p:sp>
+      <p:sp>
+        <p:nvSpPr>
+          <p:cNvPr id="3" name="內容版面配置區 2"/>
+          <p:cNvSpPr>
+            <a:spLocks noGrp="1"/>
+          </p:cNvSpPr>
+          <p:nvPr>
+            <p:ph idx="1"/>
+          </p:nvPr>
+        </p:nvSpPr>
+        <p:spPr/>
+        <p:txBody>
+          <a:bodyPr/>
+          <a:lstStyle/>
+          <a:p>
+            <a:r>
+              <a:rPr kumimoji="1" lang="en-US" altLang="zh-TW" dirty="0" err="1" smtClean="0"/>
+              <a:t>Testdata</a:t>
+            </a:r>
+            <a:endParaRPr kumimoji="1" lang="en-US" altLang="zh-TW" dirty="0" smtClean="0"/>
+          </a:p>
+          <a:p>
+            <a:endParaRPr kumimoji="1" lang="en-US" altLang="zh-TW" dirty="0"/>
+          </a:p>
+          <a:p>
+            <a:endParaRPr kumimoji="1" lang="en-US" altLang="zh-TW" dirty="0" smtClean="0"/>
+          </a:p>
+          <a:p>
+            <a:endParaRPr kumimoji="1" lang="en-US" altLang="zh-TW" dirty="0"/>
+          </a:p>
+          <a:p>
+            <a:r>
+              <a:rPr kumimoji="1" lang="en-US" altLang="zh-TW" dirty="0" err="1"/>
+              <a:t>T</a:t>
+            </a:r>
+            <a:r>
+              <a:rPr kumimoji="1" lang="en-US" altLang="zh-TW" dirty="0" err="1" smtClean="0"/>
+              <a:t>raindata</a:t>
+            </a:r>
+            <a:endParaRPr kumimoji="1" lang="zh-TW" altLang="en-US" dirty="0"/>
+          </a:p>
+        </p:txBody>
+      </p:sp>
+      <p:graphicFrame>
+        <p:nvGraphicFramePr>
+          <p:cNvPr id="4" name="表格 3"/>
+          <p:cNvGraphicFramePr>
+            <a:graphicFrameLocks noGrp="1"/>
+          </p:cNvGraphicFramePr>
+          <p:nvPr>
+            <p:extLst>
+              <p:ext uri="{D42A27DB-BD31-4B8C-83A1-F6EECF244321}">
+                <p14:modId xmlns:p14="http://schemas.microsoft.com/office/powerpoint/2010/main" val="193116210"/>
+              </p:ext>
+            </p:extLst>
+          </p:nvPr>
+        </p:nvGraphicFramePr>
+        <p:xfrm>
+          <a:off x="2062480" y="2326440"/>
+          <a:ext cx="8128000" cy="1112520"/>
+        </p:xfrm>
+        <a:graphic>
+          <a:graphicData uri="http://schemas.openxmlformats.org/drawingml/2006/table">
+            <a:tbl>
+              <a:tblPr firstRow="1" bandRow="1">
+                <a:tableStyleId>{21E4AEA4-8DFA-4A89-87EB-49C32662AFE0}</a:tableStyleId>
+              </a:tblPr>
+              <a:tblGrid>
+                <a:gridCol w="2032000"/>
+                <a:gridCol w="2032000"/>
+                <a:gridCol w="2032000"/>
+                <a:gridCol w="2032000"/>
+              </a:tblGrid>
+              <a:tr h="370840">
+                <a:tc>
+                  <a:txBody>
+                    <a:bodyPr/>
+                    <a:lstStyle/>
+                    <a:p>
+                      <a:endParaRPr lang="zh-TW" altLang="en-US" dirty="0"/>
+                    </a:p>
+                  </a:txBody>
+                  <a:tcPr/>
+                </a:tc>
+                <a:tc>
+                  <a:txBody>
+                    <a:bodyPr/>
+                    <a:lstStyle/>
+                    <a:p>
+                      <a:r>
+                        <a:rPr lang="en-US" altLang="zh-TW" dirty="0" smtClean="0"/>
+                        <a:t>Sensitivity</a:t>
+                      </a:r>
+                      <a:endParaRPr lang="zh-TW" altLang="en-US" dirty="0"/>
+                    </a:p>
+                  </a:txBody>
+                  <a:tcPr/>
+                </a:tc>
+                <a:tc>
+                  <a:txBody>
+                    <a:bodyPr/>
+                    <a:lstStyle/>
+                    <a:p>
+                      <a:r>
+                        <a:rPr lang="en-US" altLang="zh-TW" dirty="0" smtClean="0"/>
+                        <a:t>Specificity</a:t>
+                      </a:r>
+                      <a:endParaRPr lang="zh-TW" altLang="en-US" dirty="0"/>
+                    </a:p>
+                  </a:txBody>
+                  <a:tcPr/>
+                </a:tc>
+                <a:tc>
+                  <a:txBody>
+                    <a:bodyPr/>
+                    <a:lstStyle/>
+                    <a:p>
+                      <a:r>
+                        <a:rPr lang="en-US" altLang="zh-TW" dirty="0" smtClean="0"/>
+                        <a:t>Accuracy</a:t>
+                      </a:r>
+                      <a:endParaRPr lang="zh-TW" altLang="en-US" dirty="0"/>
+                    </a:p>
+                  </a:txBody>
+                  <a:tcPr/>
+                </a:tc>
+              </a:tr>
+              <a:tr h="370840">
+                <a:tc>
+                  <a:txBody>
+                    <a:bodyPr/>
+                    <a:lstStyle/>
+                    <a:p>
+                      <a:r>
+                        <a:rPr lang="en-US" altLang="zh-TW" dirty="0" smtClean="0"/>
+                        <a:t>SVM</a:t>
+                      </a:r>
+                      <a:endParaRPr lang="zh-TW" altLang="en-US" dirty="0"/>
+                    </a:p>
+                  </a:txBody>
+                  <a:tcPr/>
+                </a:tc>
+                <a:tc>
+                  <a:txBody>
+                    <a:bodyPr/>
+                    <a:lstStyle/>
+                    <a:p>
+                      <a:r>
+                        <a:rPr lang="en-US" altLang="zh-TW" dirty="0" smtClean="0"/>
+                        <a:t>0.9932</a:t>
+                      </a:r>
+                      <a:endParaRPr lang="zh-TW" altLang="en-US" dirty="0"/>
+                    </a:p>
+                  </a:txBody>
+                  <a:tcPr/>
+                </a:tc>
+                <a:tc>
+                  <a:txBody>
+                    <a:bodyPr/>
+                    <a:lstStyle/>
+                    <a:p>
+                      <a:r>
+                        <a:rPr lang="en-US" altLang="zh-TW" dirty="0" smtClean="0"/>
+                        <a:t>0.9586</a:t>
+                      </a:r>
+                      <a:endParaRPr lang="zh-TW" altLang="en-US" dirty="0"/>
+                    </a:p>
+                  </a:txBody>
+                  <a:tcPr/>
+                </a:tc>
+                <a:tc>
+                  <a:txBody>
+                    <a:bodyPr/>
+                    <a:lstStyle/>
+                    <a:p>
+                      <a:pPr marL="0" marR="0" indent="0" algn="l" defTabSz="914400" rtl="0" eaLnBrk="1" fontAlgn="auto" latinLnBrk="0" hangingPunct="1">
+                        <a:lnSpc>
+                          <a:spcPct val="100000"/>
+                        </a:lnSpc>
+                        <a:spcBef>
+                          <a:spcPts val="0"/>
+                        </a:spcBef>
+                        <a:spcAft>
+                          <a:spcPts val="0"/>
+                        </a:spcAft>
+                        <a:buClrTx/>
+                        <a:buSzTx/>
+                        <a:buFontTx/>
+                        <a:buNone/>
+                        <a:tabLst/>
+                        <a:defRPr/>
+                      </a:pPr>
+                      <a:r>
+                        <a:rPr lang="en-US" altLang="zh-TW" dirty="0" smtClean="0"/>
+                        <a:t>0.9748</a:t>
+                      </a:r>
+                      <a:endParaRPr lang="zh-TW" altLang="en-US" dirty="0" smtClean="0"/>
+                    </a:p>
+                  </a:txBody>
+                  <a:tcPr/>
+                </a:tc>
+              </a:tr>
+              <a:tr h="370840">
+                <a:tc>
+                  <a:txBody>
+                    <a:bodyPr/>
+                    <a:lstStyle/>
+                    <a:p>
+                      <a:r>
+                        <a:rPr lang="en-US" altLang="zh-TW" dirty="0" smtClean="0"/>
+                        <a:t>SVM(with 10 folds)</a:t>
+                      </a:r>
+                      <a:endParaRPr lang="zh-TW" altLang="en-US" dirty="0"/>
+                    </a:p>
+                  </a:txBody>
+                  <a:tcPr/>
+                </a:tc>
+                <a:tc>
+                  <a:txBody>
+                    <a:bodyPr/>
+                    <a:lstStyle/>
+                    <a:p>
+                      <a:r>
+                        <a:rPr lang="en-US" altLang="zh-TW" dirty="0" smtClean="0"/>
+                        <a:t>1</a:t>
+                      </a:r>
+                      <a:endParaRPr lang="zh-TW" altLang="en-US" dirty="0"/>
+                    </a:p>
+                  </a:txBody>
+                  <a:tcPr/>
+                </a:tc>
+                <a:tc>
+                  <a:txBody>
+                    <a:bodyPr/>
+                    <a:lstStyle/>
+                    <a:p>
+                      <a:r>
+                        <a:rPr lang="en-US" altLang="zh-TW" dirty="0" smtClean="0"/>
+                        <a:t>1</a:t>
+                      </a:r>
+                      <a:endParaRPr lang="zh-TW" altLang="en-US" dirty="0"/>
+                    </a:p>
+                  </a:txBody>
+                  <a:tcPr/>
+                </a:tc>
+                <a:tc>
+                  <a:txBody>
+                    <a:bodyPr/>
+                    <a:lstStyle/>
+                    <a:p>
+                      <a:r>
+                        <a:rPr lang="en-US" altLang="zh-TW" dirty="0" smtClean="0"/>
+                        <a:t>1</a:t>
+                      </a:r>
+                      <a:endParaRPr lang="zh-TW" altLang="en-US" dirty="0"/>
+                    </a:p>
+                  </a:txBody>
+                  <a:tcPr/>
+                </a:tc>
+              </a:tr>
+            </a:tbl>
+          </a:graphicData>
+        </a:graphic>
+      </p:graphicFrame>
+      <p:graphicFrame>
+        <p:nvGraphicFramePr>
+          <p:cNvPr id="5" name="表格 4"/>
+          <p:cNvGraphicFramePr>
+            <a:graphicFrameLocks noGrp="1"/>
+          </p:cNvGraphicFramePr>
+          <p:nvPr>
+            <p:extLst>
+              <p:ext uri="{D42A27DB-BD31-4B8C-83A1-F6EECF244321}">
+                <p14:modId xmlns:p14="http://schemas.microsoft.com/office/powerpoint/2010/main" val="1959635161"/>
+              </p:ext>
+            </p:extLst>
+          </p:nvPr>
+        </p:nvGraphicFramePr>
+        <p:xfrm>
+          <a:off x="2062480" y="4131303"/>
+          <a:ext cx="8128000" cy="736600"/>
+        </p:xfrm>
+        <a:graphic>
+          <a:graphicData uri="http://schemas.openxmlformats.org/drawingml/2006/table">
+            <a:tbl>
+              <a:tblPr firstRow="1" bandRow="1">
+                <a:tableStyleId>{21E4AEA4-8DFA-4A89-87EB-49C32662AFE0}</a:tableStyleId>
+              </a:tblPr>
+              <a:tblGrid>
+                <a:gridCol w="2032000"/>
+                <a:gridCol w="2032000"/>
+                <a:gridCol w="2032000"/>
+                <a:gridCol w="2032000"/>
+              </a:tblGrid>
+              <a:tr h="0">
+                <a:tc>
+                  <a:txBody>
+                    <a:bodyPr/>
+                    <a:lstStyle/>
+                    <a:p>
+                      <a:endParaRPr lang="zh-TW" altLang="en-US" dirty="0"/>
+                    </a:p>
+                  </a:txBody>
+                  <a:tcPr/>
+                </a:tc>
+                <a:tc>
+                  <a:txBody>
+                    <a:bodyPr/>
+                    <a:lstStyle/>
+                    <a:p>
+                      <a:r>
+                        <a:rPr lang="en-US" altLang="zh-TW" dirty="0" smtClean="0"/>
+                        <a:t>Sensitivity</a:t>
+                      </a:r>
+                      <a:endParaRPr lang="zh-TW" altLang="en-US" dirty="0"/>
+                    </a:p>
+                  </a:txBody>
+                  <a:tcPr/>
+                </a:tc>
+                <a:tc>
+                  <a:txBody>
+                    <a:bodyPr/>
+                    <a:lstStyle/>
+                    <a:p>
+                      <a:r>
+                        <a:rPr lang="en-US" altLang="zh-TW" dirty="0" smtClean="0"/>
+                        <a:t>Specificity</a:t>
+                      </a:r>
+                      <a:endParaRPr lang="zh-TW" altLang="en-US" dirty="0"/>
+                    </a:p>
+                  </a:txBody>
+                  <a:tcPr/>
+                </a:tc>
+                <a:tc>
+                  <a:txBody>
+                    <a:bodyPr/>
+                    <a:lstStyle/>
+                    <a:p>
+                      <a:r>
+                        <a:rPr lang="en-US" altLang="zh-TW" dirty="0" smtClean="0"/>
+                        <a:t>Accuracy</a:t>
+                      </a:r>
+                      <a:endParaRPr lang="zh-TW" altLang="en-US" dirty="0"/>
+                    </a:p>
+                  </a:txBody>
+                  <a:tcPr/>
+                </a:tc>
+              </a:tr>
+              <a:tr h="370840">
+                <a:tc>
+                  <a:txBody>
+                    <a:bodyPr/>
+                    <a:lstStyle/>
+                    <a:p>
+                      <a:r>
+                        <a:rPr lang="en-US" altLang="zh-TW" dirty="0" smtClean="0"/>
+                        <a:t>SVM</a:t>
+                      </a:r>
+                      <a:endParaRPr lang="zh-TW" altLang="en-US" dirty="0"/>
+                    </a:p>
+                  </a:txBody>
+                  <a:tcPr/>
+                </a:tc>
+                <a:tc>
+                  <a:txBody>
+                    <a:bodyPr/>
+                    <a:lstStyle/>
+                    <a:p>
+                      <a:r>
+                        <a:rPr lang="en-US" altLang="zh-TW" dirty="0" smtClean="0"/>
+                        <a:t>0.9868</a:t>
+                      </a:r>
+                      <a:endParaRPr lang="zh-TW" altLang="en-US" dirty="0"/>
+                    </a:p>
+                  </a:txBody>
+                  <a:tcPr/>
+                </a:tc>
+                <a:tc>
+                  <a:txBody>
+                    <a:bodyPr/>
+                    <a:lstStyle/>
+                    <a:p>
+                      <a:r>
+                        <a:rPr lang="en-US" altLang="zh-TW" dirty="0" smtClean="0"/>
+                        <a:t>0.9845</a:t>
+                      </a:r>
+                      <a:endParaRPr lang="zh-TW" altLang="en-US" dirty="0"/>
+                    </a:p>
+                  </a:txBody>
+                  <a:tcPr/>
+                </a:tc>
+                <a:tc>
+                  <a:txBody>
+                    <a:bodyPr/>
+                    <a:lstStyle/>
+                    <a:p>
+                      <a:pPr marL="0" marR="0" indent="0" algn="l" defTabSz="914400" rtl="0" eaLnBrk="1" fontAlgn="auto" latinLnBrk="0" hangingPunct="1">
+                        <a:lnSpc>
+                          <a:spcPct val="100000"/>
+                        </a:lnSpc>
+                        <a:spcBef>
+                          <a:spcPts val="0"/>
+                        </a:spcBef>
+                        <a:spcAft>
+                          <a:spcPts val="0"/>
+                        </a:spcAft>
+                        <a:buClrTx/>
+                        <a:buSzTx/>
+                        <a:buFontTx/>
+                        <a:buNone/>
+                        <a:tabLst/>
+                        <a:defRPr/>
+                      </a:pPr>
+                      <a:r>
+                        <a:rPr lang="en-US" altLang="zh-TW" dirty="0" smtClean="0"/>
+                        <a:t>0.9856</a:t>
+                      </a:r>
+                      <a:endParaRPr lang="zh-TW" altLang="en-US" dirty="0" smtClean="0"/>
+                    </a:p>
+                  </a:txBody>
+                  <a:tcPr/>
+                </a:tc>
+              </a:tr>
+            </a:tbl>
+          </a:graphicData>
+        </a:graphic>
+      </p:graphicFrame>
+    </p:spTree>
+    <p:extLst>
+      <p:ext uri="{BB962C8B-B14F-4D97-AF65-F5344CB8AC3E}">
+        <p14:creationId xmlns:p14="http://schemas.microsoft.com/office/powerpoint/2010/main" val="313288541"/>
+      </p:ext>
+    </p:extLst>
+  </p:cSld>
+  <p:clrMapOvr>
+    <a:masterClrMapping/>
+  </p:clrMapOvr>
+</p:sld>
+</file>
+
+<file path=ppt/slides/slide12.xml><?xml version="1.0" encoding="utf-8"?>
+<p:sld xmlns:a="http://schemas.openxmlformats.org/drawingml/2006/main" xmlns:r="http://schemas.openxmlformats.org/officeDocument/2006/relationships" xmlns:p="http://schemas.openxmlformats.org/presentationml/2006/main">
+  <p:cSld>
+    <p:spTree>
+      <p:nvGrpSpPr>
+        <p:cNvPr id="1" name=""/>
+        <p:cNvGrpSpPr/>
+        <p:nvPr/>
+      </p:nvGrpSpPr>
+      <p:grpSpPr>
+        <a:xfrm>
+          <a:off x="0" y="0"/>
+          <a:ext cx="0" cy="0"/>
+          <a:chOff x="0" y="0"/>
+          <a:chExt cx="0" cy="0"/>
+        </a:xfrm>
+      </p:grpSpPr>
+      <p:sp>
+        <p:nvSpPr>
+          <p:cNvPr id="2" name="標題 1"/>
+          <p:cNvSpPr>
+            <a:spLocks noGrp="1"/>
+          </p:cNvSpPr>
+          <p:nvPr>
+            <p:ph type="title"/>
+          </p:nvPr>
+        </p:nvSpPr>
+        <p:spPr/>
+        <p:txBody>
+          <a:bodyPr/>
+          <a:lstStyle/>
+          <a:p>
+            <a:endParaRPr kumimoji="1" lang="zh-TW" altLang="en-US"/>
+          </a:p>
+        </p:txBody>
+      </p:sp>
+      <p:sp>
+        <p:nvSpPr>
+          <p:cNvPr id="3" name="內容版面配置區 2"/>
+          <p:cNvSpPr>
+            <a:spLocks noGrp="1"/>
+          </p:cNvSpPr>
+          <p:nvPr>
+            <p:ph idx="1"/>
+          </p:nvPr>
+        </p:nvSpPr>
+        <p:spPr/>
+        <p:txBody>
+          <a:bodyPr/>
+          <a:lstStyle/>
+          <a:p>
+            <a:r>
+              <a:rPr kumimoji="1" lang="en-US" altLang="zh-TW" dirty="0" smtClean="0"/>
+              <a:t>Baseline ROC</a:t>
+            </a:r>
+            <a:endParaRPr kumimoji="1" lang="zh-TW" altLang="en-US" dirty="0"/>
+          </a:p>
+        </p:txBody>
+      </p:sp>
+    </p:spTree>
+    <p:extLst>
+      <p:ext uri="{BB962C8B-B14F-4D97-AF65-F5344CB8AC3E}">
+        <p14:creationId xmlns:p14="http://schemas.microsoft.com/office/powerpoint/2010/main" val="199556264"/>
+      </p:ext>
+    </p:extLst>
+  </p:cSld>
+  <p:clrMapOvr>
+    <a:masterClrMapping/>
+  </p:clrMapOvr>
+</p:sld>
+</file>
+
+<file path=ppt/slides/slide13.xml><?xml version="1.0" encoding="utf-8"?>
+<p:sld xmlns:a="http://schemas.openxmlformats.org/drawingml/2006/main" xmlns:r="http://schemas.openxmlformats.org/officeDocument/2006/relationships" xmlns:p="http://schemas.openxmlformats.org/presentationml/2006/main">
+  <p:cSld>
+    <p:spTree>
+      <p:nvGrpSpPr>
+        <p:cNvPr id="1" name=""/>
+        <p:cNvGrpSpPr/>
+        <p:nvPr/>
+      </p:nvGrpSpPr>
+      <p:grpSpPr>
+        <a:xfrm>
+          <a:off x="0" y="0"/>
+          <a:ext cx="0" cy="0"/>
+          <a:chOff x="0" y="0"/>
+          <a:chExt cx="0" cy="0"/>
+        </a:xfrm>
+      </p:grpSpPr>
+      <p:sp>
+        <p:nvSpPr>
+          <p:cNvPr id="2" name="標題 1"/>
+          <p:cNvSpPr>
+            <a:spLocks noGrp="1"/>
+          </p:cNvSpPr>
+          <p:nvPr>
+            <p:ph type="title"/>
+          </p:nvPr>
+        </p:nvSpPr>
+        <p:spPr/>
+        <p:txBody>
+          <a:bodyPr/>
+          <a:lstStyle/>
+          <a:p>
+            <a:r>
               <a:rPr kumimoji="1" lang="en-US" altLang="zh-TW" dirty="0"/>
               <a:t>C</a:t>
             </a:r>
             <a:r>
               <a:rPr kumimoji="1" lang="en-US" altLang="zh-TW" dirty="0" smtClean="0"/>
-              <a:t>hallenge</a:t>
+              <a:t>omparison</a:t>
             </a:r>
             <a:endParaRPr kumimoji="1" lang="zh-TW" altLang="en-US" dirty="0"/>
           </a:p>
         </p:txBody>
       </p:sp>
-      <p:sp>
-        <p:nvSpPr>
-          <p:cNvPr id="3" name="內容版面配置區 2"/>
+      <p:graphicFrame>
+        <p:nvGraphicFramePr>
+          <p:cNvPr id="4" name="內容版面配置區 3"/>
+          <p:cNvGraphicFramePr>
+            <a:graphicFrameLocks noGrp="1"/>
+          </p:cNvGraphicFramePr>
+          <p:nvPr>
+            <p:ph idx="1"/>
+            <p:extLst>
+              <p:ext uri="{D42A27DB-BD31-4B8C-83A1-F6EECF244321}">
+                <p14:modId xmlns:p14="http://schemas.microsoft.com/office/powerpoint/2010/main" val="844876411"/>
+              </p:ext>
+            </p:extLst>
+          </p:nvPr>
+        </p:nvGraphicFramePr>
+        <p:xfrm>
+          <a:off x="1879845" y="1892757"/>
+          <a:ext cx="8493270" cy="4079240"/>
+        </p:xfrm>
+        <a:graphic>
+          <a:graphicData uri="http://schemas.openxmlformats.org/drawingml/2006/table">
+            <a:tbl>
+              <a:tblPr firstRow="1" bandRow="1">
+                <a:tableStyleId>{21E4AEA4-8DFA-4A89-87EB-49C32662AFE0}</a:tableStyleId>
+              </a:tblPr>
+              <a:tblGrid>
+                <a:gridCol w="3802190"/>
+                <a:gridCol w="1625633"/>
+                <a:gridCol w="1565329"/>
+                <a:gridCol w="1500118"/>
+              </a:tblGrid>
+              <a:tr h="370840">
+                <a:tc>
+                  <a:txBody>
+                    <a:bodyPr/>
+                    <a:lstStyle/>
+                    <a:p>
+                      <a:endParaRPr lang="zh-TW" altLang="en-US" dirty="0"/>
+                    </a:p>
+                  </a:txBody>
+                  <a:tcPr>
+                    <a:lnL w="12700" cap="flat" cmpd="sng" algn="ctr">
+                      <a:solidFill>
+                        <a:schemeClr val="bg1"/>
+                      </a:solidFill>
+                      <a:prstDash val="solid"/>
+                      <a:round/>
+                      <a:headEnd type="none" w="med" len="med"/>
+                      <a:tailEnd type="none" w="med" len="med"/>
+                    </a:lnL>
+                    <a:lnR w="12700" cap="flat" cmpd="sng" algn="ctr">
+                      <a:solidFill>
+                        <a:schemeClr val="bg1"/>
+                      </a:solidFill>
+                      <a:prstDash val="solid"/>
+                      <a:round/>
+                      <a:headEnd type="none" w="med" len="med"/>
+                      <a:tailEnd type="none" w="med" len="med"/>
+                    </a:lnR>
+                    <a:lnT w="12700" cap="flat" cmpd="sng" algn="ctr">
+                      <a:solidFill>
+                        <a:schemeClr val="bg1"/>
+                      </a:solidFill>
+                      <a:prstDash val="solid"/>
+                      <a:round/>
+                      <a:headEnd type="none" w="med" len="med"/>
+                      <a:tailEnd type="none" w="med" len="med"/>
+                    </a:lnT>
+                    <a:lnB w="12700" cap="flat" cmpd="sng" algn="ctr">
+                      <a:solidFill>
+                        <a:schemeClr val="bg1"/>
+                      </a:solidFill>
+                      <a:prstDash val="solid"/>
+                      <a:round/>
+                      <a:headEnd type="none" w="med" len="med"/>
+                      <a:tailEnd type="none" w="med" len="med"/>
+                    </a:lnB>
+                    <a:lnTlToBr w="12700" cmpd="sng">
+                      <a:noFill/>
+                      <a:prstDash val="solid"/>
+                    </a:lnTlToBr>
+                    <a:lnBlToTr w="12700" cmpd="sng">
+                      <a:noFill/>
+                      <a:prstDash val="solid"/>
+                    </a:lnBlToTr>
+                  </a:tcPr>
+                </a:tc>
+                <a:tc>
+                  <a:txBody>
+                    <a:bodyPr/>
+                    <a:lstStyle/>
+                    <a:p>
+                      <a:r>
+                        <a:rPr lang="en-US" altLang="zh-TW" dirty="0" smtClean="0"/>
+                        <a:t>Sensitivity</a:t>
+                      </a:r>
+                      <a:endParaRPr lang="zh-TW" altLang="en-US" dirty="0"/>
+                    </a:p>
+                  </a:txBody>
+                  <a:tcPr>
+                    <a:lnL w="12700" cap="flat" cmpd="sng" algn="ctr">
+                      <a:solidFill>
+                        <a:schemeClr val="bg1"/>
+                      </a:solidFill>
+                      <a:prstDash val="solid"/>
+                      <a:round/>
+                      <a:headEnd type="none" w="med" len="med"/>
+                      <a:tailEnd type="none" w="med" len="med"/>
+                    </a:lnL>
+                    <a:lnR w="12700" cap="flat" cmpd="sng" algn="ctr">
+                      <a:solidFill>
+                        <a:schemeClr val="bg1"/>
+                      </a:solidFill>
+                      <a:prstDash val="solid"/>
+                      <a:round/>
+                      <a:headEnd type="none" w="med" len="med"/>
+                      <a:tailEnd type="none" w="med" len="med"/>
+                    </a:lnR>
+                    <a:lnT w="12700" cap="flat" cmpd="sng" algn="ctr">
+                      <a:solidFill>
+                        <a:schemeClr val="bg1"/>
+                      </a:solidFill>
+                      <a:prstDash val="solid"/>
+                      <a:round/>
+                      <a:headEnd type="none" w="med" len="med"/>
+                      <a:tailEnd type="none" w="med" len="med"/>
+                    </a:lnT>
+                    <a:lnB w="12700" cap="flat" cmpd="sng" algn="ctr">
+                      <a:solidFill>
+                        <a:schemeClr val="bg1"/>
+                      </a:solidFill>
+                      <a:prstDash val="solid"/>
+                      <a:round/>
+                      <a:headEnd type="none" w="med" len="med"/>
+                      <a:tailEnd type="none" w="med" len="med"/>
+                    </a:lnB>
+                    <a:lnTlToBr w="12700" cmpd="sng">
+                      <a:noFill/>
+                      <a:prstDash val="solid"/>
+                    </a:lnTlToBr>
+                    <a:lnBlToTr w="12700" cmpd="sng">
+                      <a:noFill/>
+                      <a:prstDash val="solid"/>
+                    </a:lnBlToTr>
+                  </a:tcPr>
+                </a:tc>
+                <a:tc>
+                  <a:txBody>
+                    <a:bodyPr/>
+                    <a:lstStyle/>
+                    <a:p>
+                      <a:r>
+                        <a:rPr lang="en-US" altLang="zh-TW" dirty="0" smtClean="0"/>
+                        <a:t>Specificity</a:t>
+                      </a:r>
+                      <a:endParaRPr lang="zh-TW" altLang="en-US" dirty="0"/>
+                    </a:p>
+                  </a:txBody>
+                  <a:tcPr>
+                    <a:lnL w="12700" cap="flat" cmpd="sng" algn="ctr">
+                      <a:solidFill>
+                        <a:schemeClr val="bg1"/>
+                      </a:solidFill>
+                      <a:prstDash val="solid"/>
+                      <a:round/>
+                      <a:headEnd type="none" w="med" len="med"/>
+                      <a:tailEnd type="none" w="med" len="med"/>
+                    </a:lnL>
+                    <a:lnR w="12700" cap="flat" cmpd="sng" algn="ctr">
+                      <a:solidFill>
+                        <a:schemeClr val="bg1"/>
+                      </a:solidFill>
+                      <a:prstDash val="solid"/>
+                      <a:round/>
+                      <a:headEnd type="none" w="med" len="med"/>
+                      <a:tailEnd type="none" w="med" len="med"/>
+                    </a:lnR>
+                    <a:lnT w="12700" cap="flat" cmpd="sng" algn="ctr">
+                      <a:solidFill>
+                        <a:schemeClr val="bg1"/>
+                      </a:solidFill>
+                      <a:prstDash val="solid"/>
+                      <a:round/>
+                      <a:headEnd type="none" w="med" len="med"/>
+                      <a:tailEnd type="none" w="med" len="med"/>
+                    </a:lnT>
+                    <a:lnB w="12700" cap="flat" cmpd="sng" algn="ctr">
+                      <a:solidFill>
+                        <a:schemeClr val="bg1"/>
+                      </a:solidFill>
+                      <a:prstDash val="solid"/>
+                      <a:round/>
+                      <a:headEnd type="none" w="med" len="med"/>
+                      <a:tailEnd type="none" w="med" len="med"/>
+                    </a:lnB>
+                    <a:lnTlToBr w="12700" cmpd="sng">
+                      <a:noFill/>
+                      <a:prstDash val="solid"/>
+                    </a:lnTlToBr>
+                    <a:lnBlToTr w="12700" cmpd="sng">
+                      <a:noFill/>
+                      <a:prstDash val="solid"/>
+                    </a:lnBlToTr>
+                  </a:tcPr>
+                </a:tc>
+                <a:tc>
+                  <a:txBody>
+                    <a:bodyPr/>
+                    <a:lstStyle/>
+                    <a:p>
+                      <a:r>
+                        <a:rPr lang="en-US" altLang="zh-TW" dirty="0" smtClean="0"/>
+                        <a:t>Accuracy</a:t>
+                      </a:r>
+                      <a:endParaRPr lang="zh-TW" altLang="en-US" dirty="0"/>
+                    </a:p>
+                  </a:txBody>
+                  <a:tcPr>
+                    <a:lnL w="12700" cap="flat" cmpd="sng" algn="ctr">
+                      <a:solidFill>
+                        <a:schemeClr val="bg1"/>
+                      </a:solidFill>
+                      <a:prstDash val="solid"/>
+                      <a:round/>
+                      <a:headEnd type="none" w="med" len="med"/>
+                      <a:tailEnd type="none" w="med" len="med"/>
+                    </a:lnL>
+                    <a:lnR w="12700" cap="flat" cmpd="sng" algn="ctr">
+                      <a:solidFill>
+                        <a:schemeClr val="bg1"/>
+                      </a:solidFill>
+                      <a:prstDash val="solid"/>
+                      <a:round/>
+                      <a:headEnd type="none" w="med" len="med"/>
+                      <a:tailEnd type="none" w="med" len="med"/>
+                    </a:lnR>
+                    <a:lnT w="12700" cap="flat" cmpd="sng" algn="ctr">
+                      <a:solidFill>
+                        <a:schemeClr val="bg1"/>
+                      </a:solidFill>
+                      <a:prstDash val="solid"/>
+                      <a:round/>
+                      <a:headEnd type="none" w="med" len="med"/>
+                      <a:tailEnd type="none" w="med" len="med"/>
+                    </a:lnT>
+                    <a:lnB w="12700" cap="flat" cmpd="sng" algn="ctr">
+                      <a:solidFill>
+                        <a:schemeClr val="bg1"/>
+                      </a:solidFill>
+                      <a:prstDash val="solid"/>
+                      <a:round/>
+                      <a:headEnd type="none" w="med" len="med"/>
+                      <a:tailEnd type="none" w="med" len="med"/>
+                    </a:lnB>
+                    <a:lnTlToBr w="12700" cmpd="sng">
+                      <a:noFill/>
+                      <a:prstDash val="solid"/>
+                    </a:lnTlToBr>
+                    <a:lnBlToTr w="12700" cmpd="sng">
+                      <a:noFill/>
+                      <a:prstDash val="solid"/>
+                    </a:lnBlToTr>
+                  </a:tcPr>
+                </a:tc>
+              </a:tr>
+              <a:tr h="370840">
+                <a:tc>
+                  <a:txBody>
+                    <a:bodyPr/>
+                    <a:lstStyle/>
+                    <a:p>
+                      <a:r>
+                        <a:rPr lang="en-US" altLang="zh-TW" dirty="0" smtClean="0"/>
+                        <a:t>SVM</a:t>
+                      </a:r>
+                      <a:endParaRPr lang="zh-TW" altLang="en-US" dirty="0"/>
+                    </a:p>
+                  </a:txBody>
+                  <a:tcPr>
+                    <a:lnL w="12700" cap="flat" cmpd="sng" algn="ctr">
+                      <a:solidFill>
+                        <a:schemeClr val="bg1"/>
+                      </a:solidFill>
+                      <a:prstDash val="solid"/>
+                      <a:round/>
+                      <a:headEnd type="none" w="med" len="med"/>
+                      <a:tailEnd type="none" w="med" len="med"/>
+                    </a:lnL>
+                    <a:lnR w="12700" cap="flat" cmpd="sng" algn="ctr">
+                      <a:solidFill>
+                        <a:schemeClr val="bg1"/>
+                      </a:solidFill>
+                      <a:prstDash val="solid"/>
+                      <a:round/>
+                      <a:headEnd type="none" w="med" len="med"/>
+                      <a:tailEnd type="none" w="med" len="med"/>
+                    </a:lnR>
+                    <a:lnT w="12700" cap="flat" cmpd="sng" algn="ctr">
+                      <a:solidFill>
+                        <a:schemeClr val="bg1"/>
+                      </a:solidFill>
+                      <a:prstDash val="solid"/>
+                      <a:round/>
+                      <a:headEnd type="none" w="med" len="med"/>
+                      <a:tailEnd type="none" w="med" len="med"/>
+                    </a:lnT>
+                    <a:lnB w="12700" cap="flat" cmpd="sng" algn="ctr">
+                      <a:solidFill>
+                        <a:schemeClr val="bg1"/>
+                      </a:solidFill>
+                      <a:prstDash val="solid"/>
+                      <a:round/>
+                      <a:headEnd type="none" w="med" len="med"/>
+                      <a:tailEnd type="none" w="med" len="med"/>
+                    </a:lnB>
+                    <a:lnTlToBr w="12700" cmpd="sng">
+                      <a:noFill/>
+                      <a:prstDash val="solid"/>
+                    </a:lnTlToBr>
+                    <a:lnBlToTr w="12700" cmpd="sng">
+                      <a:noFill/>
+                      <a:prstDash val="solid"/>
+                    </a:lnBlToTr>
+                    <a:solidFill>
+                      <a:schemeClr val="tx2">
+                        <a:lumMod val="20000"/>
+                        <a:lumOff val="80000"/>
+                      </a:schemeClr>
+                    </a:solidFill>
+                  </a:tcPr>
+                </a:tc>
+                <a:tc>
+                  <a:txBody>
+                    <a:bodyPr/>
+                    <a:lstStyle/>
+                    <a:p>
+                      <a:r>
+                        <a:rPr lang="en-US" altLang="zh-TW" dirty="0" smtClean="0"/>
+                        <a:t>0.9932</a:t>
+                      </a:r>
+                      <a:endParaRPr lang="zh-TW" altLang="en-US" dirty="0"/>
+                    </a:p>
+                  </a:txBody>
+                  <a:tcPr>
+                    <a:lnL w="12700" cap="flat" cmpd="sng" algn="ctr">
+                      <a:solidFill>
+                        <a:schemeClr val="bg1"/>
+                      </a:solidFill>
+                      <a:prstDash val="solid"/>
+                      <a:round/>
+                      <a:headEnd type="none" w="med" len="med"/>
+                      <a:tailEnd type="none" w="med" len="med"/>
+                    </a:lnL>
+                    <a:lnR w="12700" cap="flat" cmpd="sng" algn="ctr">
+                      <a:solidFill>
+                        <a:schemeClr val="bg1"/>
+                      </a:solidFill>
+                      <a:prstDash val="solid"/>
+                      <a:round/>
+                      <a:headEnd type="none" w="med" len="med"/>
+                      <a:tailEnd type="none" w="med" len="med"/>
+                    </a:lnR>
+                    <a:lnT w="12700" cap="flat" cmpd="sng" algn="ctr">
+                      <a:solidFill>
+                        <a:schemeClr val="bg1"/>
+                      </a:solidFill>
+                      <a:prstDash val="solid"/>
+                      <a:round/>
+                      <a:headEnd type="none" w="med" len="med"/>
+                      <a:tailEnd type="none" w="med" len="med"/>
+                    </a:lnT>
+                    <a:lnB w="12700" cap="flat" cmpd="sng" algn="ctr">
+                      <a:solidFill>
+                        <a:schemeClr val="bg1"/>
+                      </a:solidFill>
+                      <a:prstDash val="solid"/>
+                      <a:round/>
+                      <a:headEnd type="none" w="med" len="med"/>
+                      <a:tailEnd type="none" w="med" len="med"/>
+                    </a:lnB>
+                    <a:lnTlToBr w="12700" cmpd="sng">
+                      <a:noFill/>
+                      <a:prstDash val="solid"/>
+                    </a:lnTlToBr>
+                    <a:lnBlToTr w="12700" cmpd="sng">
+                      <a:noFill/>
+                      <a:prstDash val="solid"/>
+                    </a:lnBlToTr>
+                    <a:solidFill>
+                      <a:schemeClr val="tx2">
+                        <a:lumMod val="20000"/>
+                        <a:lumOff val="80000"/>
+                      </a:schemeClr>
+                    </a:solidFill>
+                  </a:tcPr>
+                </a:tc>
+                <a:tc>
+                  <a:txBody>
+                    <a:bodyPr/>
+                    <a:lstStyle/>
+                    <a:p>
+                      <a:r>
+                        <a:rPr lang="en-US" altLang="zh-TW" dirty="0" smtClean="0"/>
+                        <a:t>0.9586</a:t>
+                      </a:r>
+                      <a:endParaRPr lang="zh-TW" altLang="en-US" dirty="0"/>
+                    </a:p>
+                  </a:txBody>
+                  <a:tcPr>
+                    <a:lnL w="12700" cap="flat" cmpd="sng" algn="ctr">
+                      <a:solidFill>
+                        <a:schemeClr val="bg1"/>
+                      </a:solidFill>
+                      <a:prstDash val="solid"/>
+                      <a:round/>
+                      <a:headEnd type="none" w="med" len="med"/>
+                      <a:tailEnd type="none" w="med" len="med"/>
+                    </a:lnL>
+                    <a:lnR w="12700" cap="flat" cmpd="sng" algn="ctr">
+                      <a:solidFill>
+                        <a:schemeClr val="bg1"/>
+                      </a:solidFill>
+                      <a:prstDash val="solid"/>
+                      <a:round/>
+                      <a:headEnd type="none" w="med" len="med"/>
+                      <a:tailEnd type="none" w="med" len="med"/>
+                    </a:lnR>
+                    <a:lnT w="12700" cap="flat" cmpd="sng" algn="ctr">
+                      <a:solidFill>
+                        <a:schemeClr val="bg1"/>
+                      </a:solidFill>
+                      <a:prstDash val="solid"/>
+                      <a:round/>
+                      <a:headEnd type="none" w="med" len="med"/>
+                      <a:tailEnd type="none" w="med" len="med"/>
+                    </a:lnT>
+                    <a:lnB w="12700" cap="flat" cmpd="sng" algn="ctr">
+                      <a:solidFill>
+                        <a:schemeClr val="bg1"/>
+                      </a:solidFill>
+                      <a:prstDash val="solid"/>
+                      <a:round/>
+                      <a:headEnd type="none" w="med" len="med"/>
+                      <a:tailEnd type="none" w="med" len="med"/>
+                    </a:lnB>
+                    <a:lnTlToBr w="12700" cmpd="sng">
+                      <a:noFill/>
+                      <a:prstDash val="solid"/>
+                    </a:lnTlToBr>
+                    <a:lnBlToTr w="12700" cmpd="sng">
+                      <a:noFill/>
+                      <a:prstDash val="solid"/>
+                    </a:lnBlToTr>
+                    <a:solidFill>
+                      <a:schemeClr val="tx2">
+                        <a:lumMod val="20000"/>
+                        <a:lumOff val="80000"/>
+                      </a:schemeClr>
+                    </a:solidFill>
+                  </a:tcPr>
+                </a:tc>
+                <a:tc>
+                  <a:txBody>
+                    <a:bodyPr/>
+                    <a:lstStyle/>
+                    <a:p>
+                      <a:pPr marL="0" marR="0" indent="0" algn="l" defTabSz="914400" rtl="0" eaLnBrk="1" fontAlgn="auto" latinLnBrk="0" hangingPunct="1">
+                        <a:lnSpc>
+                          <a:spcPct val="100000"/>
+                        </a:lnSpc>
+                        <a:spcBef>
+                          <a:spcPts val="0"/>
+                        </a:spcBef>
+                        <a:spcAft>
+                          <a:spcPts val="0"/>
+                        </a:spcAft>
+                        <a:buClrTx/>
+                        <a:buSzTx/>
+                        <a:buFontTx/>
+                        <a:buNone/>
+                        <a:tabLst/>
+                        <a:defRPr/>
+                      </a:pPr>
+                      <a:r>
+                        <a:rPr lang="en-US" altLang="zh-TW" dirty="0" smtClean="0"/>
+                        <a:t>0.9748</a:t>
+                      </a:r>
+                      <a:endParaRPr lang="zh-TW" altLang="en-US" dirty="0" smtClean="0"/>
+                    </a:p>
+                  </a:txBody>
+                  <a:tcPr>
+                    <a:lnL w="12700" cap="flat" cmpd="sng" algn="ctr">
+                      <a:solidFill>
+                        <a:schemeClr val="bg1"/>
+                      </a:solidFill>
+                      <a:prstDash val="solid"/>
+                      <a:round/>
+                      <a:headEnd type="none" w="med" len="med"/>
+                      <a:tailEnd type="none" w="med" len="med"/>
+                    </a:lnL>
+                    <a:lnR w="12700" cap="flat" cmpd="sng" algn="ctr">
+                      <a:solidFill>
+                        <a:schemeClr val="bg1"/>
+                      </a:solidFill>
+                      <a:prstDash val="solid"/>
+                      <a:round/>
+                      <a:headEnd type="none" w="med" len="med"/>
+                      <a:tailEnd type="none" w="med" len="med"/>
+                    </a:lnR>
+                    <a:lnT w="12700" cap="flat" cmpd="sng" algn="ctr">
+                      <a:solidFill>
+                        <a:schemeClr val="bg1"/>
+                      </a:solidFill>
+                      <a:prstDash val="solid"/>
+                      <a:round/>
+                      <a:headEnd type="none" w="med" len="med"/>
+                      <a:tailEnd type="none" w="med" len="med"/>
+                    </a:lnT>
+                    <a:lnB w="12700" cap="flat" cmpd="sng" algn="ctr">
+                      <a:solidFill>
+                        <a:schemeClr val="bg1"/>
+                      </a:solidFill>
+                      <a:prstDash val="solid"/>
+                      <a:round/>
+                      <a:headEnd type="none" w="med" len="med"/>
+                      <a:tailEnd type="none" w="med" len="med"/>
+                    </a:lnB>
+                    <a:lnTlToBr w="12700" cmpd="sng">
+                      <a:noFill/>
+                      <a:prstDash val="solid"/>
+                    </a:lnTlToBr>
+                    <a:lnBlToTr w="12700" cmpd="sng">
+                      <a:noFill/>
+                      <a:prstDash val="solid"/>
+                    </a:lnBlToTr>
+                    <a:solidFill>
+                      <a:schemeClr val="tx2">
+                        <a:lumMod val="20000"/>
+                        <a:lumOff val="80000"/>
+                      </a:schemeClr>
+                    </a:solidFill>
+                  </a:tcPr>
+                </a:tc>
+              </a:tr>
+              <a:tr h="370840">
+                <a:tc>
+                  <a:txBody>
+                    <a:bodyPr/>
+                    <a:lstStyle/>
+                    <a:p>
+                      <a:r>
+                        <a:rPr lang="en-US" altLang="zh-TW" dirty="0" smtClean="0"/>
+                        <a:t>SVM</a:t>
+                      </a:r>
+                      <a:r>
+                        <a:rPr lang="en-US" altLang="zh-TW" baseline="0" dirty="0" smtClean="0"/>
+                        <a:t> </a:t>
+                      </a:r>
+                      <a:r>
+                        <a:rPr lang="en-US" altLang="zh-TW" dirty="0" smtClean="0"/>
+                        <a:t>(with</a:t>
+                      </a:r>
+                      <a:r>
+                        <a:rPr lang="en-US" altLang="zh-TW" baseline="0" dirty="0" smtClean="0"/>
+                        <a:t> </a:t>
+                      </a:r>
+                      <a:r>
+                        <a:rPr lang="en-US" altLang="zh-TW" sz="1800" kern="1200" dirty="0" smtClean="0">
+                          <a:solidFill>
+                            <a:schemeClr val="dk1"/>
+                          </a:solidFill>
+                          <a:effectLst/>
+                          <a:latin typeface="+mn-lt"/>
+                          <a:ea typeface="+mn-ea"/>
+                          <a:cs typeface="+mn-cs"/>
+                        </a:rPr>
+                        <a:t>cross-validation</a:t>
+                      </a:r>
+                      <a:r>
+                        <a:rPr lang="zh-TW" altLang="zh-TW" dirty="0" smtClean="0">
+                          <a:effectLst/>
+                        </a:rPr>
+                        <a:t> </a:t>
+                      </a:r>
+                      <a:r>
+                        <a:rPr lang="en-US" altLang="zh-TW" dirty="0" smtClean="0"/>
+                        <a:t>)</a:t>
+                      </a:r>
+                      <a:endParaRPr lang="zh-TW" altLang="en-US" dirty="0"/>
+                    </a:p>
+                  </a:txBody>
+                  <a:tcPr>
+                    <a:lnL w="12700" cap="flat" cmpd="sng" algn="ctr">
+                      <a:solidFill>
+                        <a:schemeClr val="bg1"/>
+                      </a:solidFill>
+                      <a:prstDash val="solid"/>
+                      <a:round/>
+                      <a:headEnd type="none" w="med" len="med"/>
+                      <a:tailEnd type="none" w="med" len="med"/>
+                    </a:lnL>
+                    <a:lnR w="12700" cap="flat" cmpd="sng" algn="ctr">
+                      <a:solidFill>
+                        <a:schemeClr val="bg1"/>
+                      </a:solidFill>
+                      <a:prstDash val="solid"/>
+                      <a:round/>
+                      <a:headEnd type="none" w="med" len="med"/>
+                      <a:tailEnd type="none" w="med" len="med"/>
+                    </a:lnR>
+                    <a:lnT w="12700" cap="flat" cmpd="sng" algn="ctr">
+                      <a:solidFill>
+                        <a:schemeClr val="bg1"/>
+                      </a:solidFill>
+                      <a:prstDash val="solid"/>
+                      <a:round/>
+                      <a:headEnd type="none" w="med" len="med"/>
+                      <a:tailEnd type="none" w="med" len="med"/>
+                    </a:lnT>
+                    <a:lnB w="12700" cap="flat" cmpd="sng" algn="ctr">
+                      <a:solidFill>
+                        <a:schemeClr val="bg1"/>
+                      </a:solidFill>
+                      <a:prstDash val="solid"/>
+                      <a:round/>
+                      <a:headEnd type="none" w="med" len="med"/>
+                      <a:tailEnd type="none" w="med" len="med"/>
+                    </a:lnB>
+                    <a:lnTlToBr w="12700" cmpd="sng">
+                      <a:noFill/>
+                      <a:prstDash val="solid"/>
+                    </a:lnTlToBr>
+                    <a:lnBlToTr w="12700" cmpd="sng">
+                      <a:noFill/>
+                      <a:prstDash val="solid"/>
+                    </a:lnBlToTr>
+                    <a:solidFill>
+                      <a:schemeClr val="accent3">
+                        <a:lumMod val="40000"/>
+                        <a:lumOff val="60000"/>
+                      </a:schemeClr>
+                    </a:solidFill>
+                  </a:tcPr>
+                </a:tc>
+                <a:tc>
+                  <a:txBody>
+                    <a:bodyPr/>
+                    <a:lstStyle/>
+                    <a:p>
+                      <a:r>
+                        <a:rPr lang="en-US" altLang="zh-TW" dirty="0" smtClean="0"/>
+                        <a:t>1.0000</a:t>
+                      </a:r>
+                      <a:endParaRPr lang="zh-TW" altLang="en-US" dirty="0"/>
+                    </a:p>
+                  </a:txBody>
+                  <a:tcPr>
+                    <a:lnL w="12700" cap="flat" cmpd="sng" algn="ctr">
+                      <a:solidFill>
+                        <a:schemeClr val="bg1"/>
+                      </a:solidFill>
+                      <a:prstDash val="solid"/>
+                      <a:round/>
+                      <a:headEnd type="none" w="med" len="med"/>
+                      <a:tailEnd type="none" w="med" len="med"/>
+                    </a:lnL>
+                    <a:lnR w="12700" cap="flat" cmpd="sng" algn="ctr">
+                      <a:solidFill>
+                        <a:schemeClr val="bg1"/>
+                      </a:solidFill>
+                      <a:prstDash val="solid"/>
+                      <a:round/>
+                      <a:headEnd type="none" w="med" len="med"/>
+                      <a:tailEnd type="none" w="med" len="med"/>
+                    </a:lnR>
+                    <a:lnT w="12700" cap="flat" cmpd="sng" algn="ctr">
+                      <a:solidFill>
+                        <a:schemeClr val="bg1"/>
+                      </a:solidFill>
+                      <a:prstDash val="solid"/>
+                      <a:round/>
+                      <a:headEnd type="none" w="med" len="med"/>
+                      <a:tailEnd type="none" w="med" len="med"/>
+                    </a:lnT>
+                    <a:lnB w="12700" cap="flat" cmpd="sng" algn="ctr">
+                      <a:solidFill>
+                        <a:schemeClr val="bg1"/>
+                      </a:solidFill>
+                      <a:prstDash val="solid"/>
+                      <a:round/>
+                      <a:headEnd type="none" w="med" len="med"/>
+                      <a:tailEnd type="none" w="med" len="med"/>
+                    </a:lnB>
+                    <a:lnTlToBr w="12700" cmpd="sng">
+                      <a:noFill/>
+                      <a:prstDash val="solid"/>
+                    </a:lnTlToBr>
+                    <a:lnBlToTr w="12700" cmpd="sng">
+                      <a:noFill/>
+                      <a:prstDash val="solid"/>
+                    </a:lnBlToTr>
+                    <a:solidFill>
+                      <a:schemeClr val="accent3">
+                        <a:lumMod val="40000"/>
+                        <a:lumOff val="60000"/>
+                      </a:schemeClr>
+                    </a:solidFill>
+                  </a:tcPr>
+                </a:tc>
+                <a:tc>
+                  <a:txBody>
+                    <a:bodyPr/>
+                    <a:lstStyle/>
+                    <a:p>
+                      <a:r>
+                        <a:rPr lang="en-US" altLang="zh-TW" dirty="0" smtClean="0"/>
+                        <a:t>1.0000</a:t>
+                      </a:r>
+                      <a:endParaRPr lang="zh-TW" altLang="en-US" dirty="0"/>
+                    </a:p>
+                  </a:txBody>
+                  <a:tcPr>
+                    <a:lnL w="12700" cap="flat" cmpd="sng" algn="ctr">
+                      <a:solidFill>
+                        <a:schemeClr val="bg1"/>
+                      </a:solidFill>
+                      <a:prstDash val="solid"/>
+                      <a:round/>
+                      <a:headEnd type="none" w="med" len="med"/>
+                      <a:tailEnd type="none" w="med" len="med"/>
+                    </a:lnL>
+                    <a:lnR w="12700" cap="flat" cmpd="sng" algn="ctr">
+                      <a:solidFill>
+                        <a:schemeClr val="bg1"/>
+                      </a:solidFill>
+                      <a:prstDash val="solid"/>
+                      <a:round/>
+                      <a:headEnd type="none" w="med" len="med"/>
+                      <a:tailEnd type="none" w="med" len="med"/>
+                    </a:lnR>
+                    <a:lnT w="12700" cap="flat" cmpd="sng" algn="ctr">
+                      <a:solidFill>
+                        <a:schemeClr val="bg1"/>
+                      </a:solidFill>
+                      <a:prstDash val="solid"/>
+                      <a:round/>
+                      <a:headEnd type="none" w="med" len="med"/>
+                      <a:tailEnd type="none" w="med" len="med"/>
+                    </a:lnT>
+                    <a:lnB w="12700" cap="flat" cmpd="sng" algn="ctr">
+                      <a:solidFill>
+                        <a:schemeClr val="bg1"/>
+                      </a:solidFill>
+                      <a:prstDash val="solid"/>
+                      <a:round/>
+                      <a:headEnd type="none" w="med" len="med"/>
+                      <a:tailEnd type="none" w="med" len="med"/>
+                    </a:lnB>
+                    <a:lnTlToBr w="12700" cmpd="sng">
+                      <a:noFill/>
+                      <a:prstDash val="solid"/>
+                    </a:lnTlToBr>
+                    <a:lnBlToTr w="12700" cmpd="sng">
+                      <a:noFill/>
+                      <a:prstDash val="solid"/>
+                    </a:lnBlToTr>
+                    <a:solidFill>
+                      <a:schemeClr val="accent3">
+                        <a:lumMod val="40000"/>
+                        <a:lumOff val="60000"/>
+                      </a:schemeClr>
+                    </a:solidFill>
+                  </a:tcPr>
+                </a:tc>
+                <a:tc>
+                  <a:txBody>
+                    <a:bodyPr/>
+                    <a:lstStyle/>
+                    <a:p>
+                      <a:r>
+                        <a:rPr lang="en-US" altLang="zh-TW" dirty="0" smtClean="0"/>
+                        <a:t>1.0000</a:t>
+                      </a:r>
+                      <a:endParaRPr lang="zh-TW" altLang="en-US" dirty="0"/>
+                    </a:p>
+                  </a:txBody>
+                  <a:tcPr>
+                    <a:lnL w="12700" cap="flat" cmpd="sng" algn="ctr">
+                      <a:solidFill>
+                        <a:schemeClr val="bg1"/>
+                      </a:solidFill>
+                      <a:prstDash val="solid"/>
+                      <a:round/>
+                      <a:headEnd type="none" w="med" len="med"/>
+                      <a:tailEnd type="none" w="med" len="med"/>
+                    </a:lnL>
+                    <a:lnR w="12700" cap="flat" cmpd="sng" algn="ctr">
+                      <a:solidFill>
+                        <a:schemeClr val="bg1"/>
+                      </a:solidFill>
+                      <a:prstDash val="solid"/>
+                      <a:round/>
+                      <a:headEnd type="none" w="med" len="med"/>
+                      <a:tailEnd type="none" w="med" len="med"/>
+                    </a:lnR>
+                    <a:lnT w="12700" cap="flat" cmpd="sng" algn="ctr">
+                      <a:solidFill>
+                        <a:schemeClr val="bg1"/>
+                      </a:solidFill>
+                      <a:prstDash val="solid"/>
+                      <a:round/>
+                      <a:headEnd type="none" w="med" len="med"/>
+                      <a:tailEnd type="none" w="med" len="med"/>
+                    </a:lnT>
+                    <a:lnB w="12700" cap="flat" cmpd="sng" algn="ctr">
+                      <a:solidFill>
+                        <a:schemeClr val="bg1"/>
+                      </a:solidFill>
+                      <a:prstDash val="solid"/>
+                      <a:round/>
+                      <a:headEnd type="none" w="med" len="med"/>
+                      <a:tailEnd type="none" w="med" len="med"/>
+                    </a:lnB>
+                    <a:lnTlToBr w="12700" cmpd="sng">
+                      <a:noFill/>
+                      <a:prstDash val="solid"/>
+                    </a:lnTlToBr>
+                    <a:lnBlToTr w="12700" cmpd="sng">
+                      <a:noFill/>
+                      <a:prstDash val="solid"/>
+                    </a:lnBlToTr>
+                    <a:solidFill>
+                      <a:schemeClr val="accent3">
+                        <a:lumMod val="40000"/>
+                        <a:lumOff val="60000"/>
+                      </a:schemeClr>
+                    </a:solidFill>
+                  </a:tcPr>
+                </a:tc>
+              </a:tr>
+              <a:tr h="370840">
+                <a:tc>
+                  <a:txBody>
+                    <a:bodyPr/>
+                    <a:lstStyle/>
+                    <a:p>
+                      <a:r>
+                        <a:rPr lang="en-US" altLang="zh-TW" dirty="0" smtClean="0"/>
+                        <a:t>Random Forest</a:t>
+                      </a:r>
+                      <a:endParaRPr lang="zh-TW" altLang="en-US" dirty="0"/>
+                    </a:p>
+                  </a:txBody>
+                  <a:tcPr>
+                    <a:lnT w="12700" cap="flat" cmpd="sng" algn="ctr">
+                      <a:solidFill>
+                        <a:schemeClr val="bg1"/>
+                      </a:solidFill>
+                      <a:prstDash val="solid"/>
+                      <a:round/>
+                      <a:headEnd type="none" w="med" len="med"/>
+                      <a:tailEnd type="none" w="med" len="med"/>
+                    </a:lnT>
+                  </a:tcPr>
+                </a:tc>
+                <a:tc>
+                  <a:txBody>
+                    <a:bodyPr/>
+                    <a:lstStyle/>
+                    <a:p>
+                      <a:r>
+                        <a:rPr lang="en-US" altLang="zh-TW" dirty="0" smtClean="0"/>
+                        <a:t>0.9932</a:t>
+                      </a:r>
+                      <a:endParaRPr lang="zh-TW" altLang="en-US" dirty="0"/>
+                    </a:p>
+                  </a:txBody>
+                  <a:tcPr>
+                    <a:lnT w="12700" cap="flat" cmpd="sng" algn="ctr">
+                      <a:solidFill>
+                        <a:schemeClr val="bg1"/>
+                      </a:solidFill>
+                      <a:prstDash val="solid"/>
+                      <a:round/>
+                      <a:headEnd type="none" w="med" len="med"/>
+                      <a:tailEnd type="none" w="med" len="med"/>
+                    </a:lnT>
+                  </a:tcPr>
+                </a:tc>
+                <a:tc>
+                  <a:txBody>
+                    <a:bodyPr/>
+                    <a:lstStyle/>
+                    <a:p>
+                      <a:r>
+                        <a:rPr lang="en-US" altLang="zh-TW" dirty="0" smtClean="0"/>
+                        <a:t>0.9586</a:t>
+                      </a:r>
+                      <a:endParaRPr lang="zh-TW" altLang="en-US" dirty="0"/>
+                    </a:p>
+                  </a:txBody>
+                  <a:tcPr>
+                    <a:lnT w="12700" cap="flat" cmpd="sng" algn="ctr">
+                      <a:solidFill>
+                        <a:schemeClr val="bg1"/>
+                      </a:solidFill>
+                      <a:prstDash val="solid"/>
+                      <a:round/>
+                      <a:headEnd type="none" w="med" len="med"/>
+                      <a:tailEnd type="none" w="med" len="med"/>
+                    </a:lnT>
+                  </a:tcPr>
+                </a:tc>
+                <a:tc>
+                  <a:txBody>
+                    <a:bodyPr/>
+                    <a:lstStyle/>
+                    <a:p>
+                      <a:r>
+                        <a:rPr lang="en-US" altLang="zh-TW" dirty="0" smtClean="0"/>
+                        <a:t>0.9748</a:t>
+                      </a:r>
+                      <a:endParaRPr lang="zh-TW" altLang="en-US" dirty="0"/>
+                    </a:p>
+                  </a:txBody>
+                  <a:tcPr>
+                    <a:lnT w="12700" cap="flat" cmpd="sng" algn="ctr">
+                      <a:solidFill>
+                        <a:schemeClr val="bg1"/>
+                      </a:solidFill>
+                      <a:prstDash val="solid"/>
+                      <a:round/>
+                      <a:headEnd type="none" w="med" len="med"/>
+                      <a:tailEnd type="none" w="med" len="med"/>
+                    </a:lnT>
+                  </a:tcPr>
+                </a:tc>
+              </a:tr>
+              <a:tr h="370840">
+                <a:tc>
+                  <a:txBody>
+                    <a:bodyPr/>
+                    <a:lstStyle/>
+                    <a:p>
+                      <a:pPr marL="0" marR="0" indent="0" algn="l" defTabSz="914400" rtl="0" eaLnBrk="1" fontAlgn="auto" latinLnBrk="0" hangingPunct="1">
+                        <a:lnSpc>
+                          <a:spcPct val="100000"/>
+                        </a:lnSpc>
+                        <a:spcBef>
+                          <a:spcPts val="0"/>
+                        </a:spcBef>
+                        <a:spcAft>
+                          <a:spcPts val="0"/>
+                        </a:spcAft>
+                        <a:buClrTx/>
+                        <a:buSzTx/>
+                        <a:buFontTx/>
+                        <a:buNone/>
+                        <a:tabLst/>
+                        <a:defRPr/>
+                      </a:pPr>
+                      <a:r>
+                        <a:rPr lang="en-US" altLang="zh-TW" dirty="0" smtClean="0"/>
+                        <a:t>Random Forest</a:t>
+                      </a:r>
+                      <a:r>
+                        <a:rPr lang="en-US" altLang="zh-TW" baseline="0" dirty="0" smtClean="0"/>
+                        <a:t> </a:t>
+                      </a:r>
+                      <a:r>
+                        <a:rPr lang="en-US" altLang="zh-TW" dirty="0" smtClean="0"/>
+                        <a:t>(with</a:t>
+                      </a:r>
+                      <a:r>
+                        <a:rPr lang="en-US" altLang="zh-TW" baseline="0" dirty="0" smtClean="0"/>
+                        <a:t> </a:t>
+                      </a:r>
+                      <a:r>
+                        <a:rPr lang="en-US" altLang="zh-TW" sz="1800" kern="1200" dirty="0" smtClean="0">
+                          <a:solidFill>
+                            <a:schemeClr val="dk1"/>
+                          </a:solidFill>
+                          <a:effectLst/>
+                          <a:latin typeface="+mn-lt"/>
+                          <a:ea typeface="+mn-ea"/>
+                          <a:cs typeface="+mn-cs"/>
+                        </a:rPr>
+                        <a:t>cross-validation</a:t>
+                      </a:r>
+                      <a:r>
+                        <a:rPr lang="zh-TW" altLang="zh-TW" dirty="0" smtClean="0">
+                          <a:effectLst/>
+                        </a:rPr>
+                        <a:t> </a:t>
+                      </a:r>
+                      <a:r>
+                        <a:rPr lang="en-US" altLang="zh-TW" dirty="0" smtClean="0"/>
+                        <a:t>)</a:t>
+                      </a:r>
+                      <a:endParaRPr lang="zh-TW" altLang="en-US" dirty="0" smtClean="0"/>
+                    </a:p>
+                  </a:txBody>
+                  <a:tcPr/>
+                </a:tc>
+                <a:tc>
+                  <a:txBody>
+                    <a:bodyPr/>
+                    <a:lstStyle/>
+                    <a:p>
+                      <a:r>
+                        <a:rPr lang="en-US" altLang="zh-TW" dirty="0" smtClean="0"/>
+                        <a:t>0.9937</a:t>
+                      </a:r>
+                      <a:endParaRPr lang="zh-TW" altLang="en-US" dirty="0"/>
+                    </a:p>
+                  </a:txBody>
+                  <a:tcPr/>
+                </a:tc>
+                <a:tc>
+                  <a:txBody>
+                    <a:bodyPr/>
+                    <a:lstStyle/>
+                    <a:p>
+                      <a:r>
+                        <a:rPr lang="en-US" altLang="zh-TW" dirty="0" smtClean="0"/>
+                        <a:t>0.9937</a:t>
+                      </a:r>
+                      <a:endParaRPr lang="zh-TW" altLang="en-US" dirty="0"/>
+                    </a:p>
+                  </a:txBody>
+                  <a:tcPr/>
+                </a:tc>
+                <a:tc>
+                  <a:txBody>
+                    <a:bodyPr/>
+                    <a:lstStyle/>
+                    <a:p>
+                      <a:r>
+                        <a:rPr lang="en-US" altLang="zh-TW" dirty="0" smtClean="0"/>
+                        <a:t>0.9937</a:t>
+                      </a:r>
+                      <a:endParaRPr lang="zh-TW" altLang="en-US" dirty="0"/>
+                    </a:p>
+                  </a:txBody>
+                  <a:tcPr/>
+                </a:tc>
+              </a:tr>
+              <a:tr h="370840">
+                <a:tc>
+                  <a:txBody>
+                    <a:bodyPr/>
+                    <a:lstStyle/>
+                    <a:p>
+                      <a:r>
+                        <a:rPr lang="en-US" altLang="zh-TW" dirty="0" smtClean="0"/>
+                        <a:t>Decision</a:t>
+                      </a:r>
+                      <a:r>
+                        <a:rPr lang="en-US" altLang="zh-TW" baseline="0" dirty="0" smtClean="0"/>
+                        <a:t> Tree</a:t>
+                      </a:r>
+                      <a:endParaRPr lang="zh-TW" altLang="en-US" dirty="0"/>
+                    </a:p>
+                  </a:txBody>
+                  <a:tcPr/>
+                </a:tc>
+                <a:tc>
+                  <a:txBody>
+                    <a:bodyPr/>
+                    <a:lstStyle/>
+                    <a:p>
+                      <a:r>
+                        <a:rPr lang="en-US" altLang="zh-TW" dirty="0" smtClean="0"/>
+                        <a:t>0.9865</a:t>
+                      </a:r>
+                      <a:endParaRPr lang="zh-TW" altLang="en-US" dirty="0"/>
+                    </a:p>
+                  </a:txBody>
+                  <a:tcPr/>
+                </a:tc>
+                <a:tc>
+                  <a:txBody>
+                    <a:bodyPr/>
+                    <a:lstStyle/>
+                    <a:p>
+                      <a:r>
+                        <a:rPr lang="en-US" altLang="zh-TW" dirty="0" smtClean="0"/>
+                        <a:t>0.9583</a:t>
+                      </a:r>
+                      <a:endParaRPr lang="zh-TW" altLang="en-US" dirty="0"/>
+                    </a:p>
+                  </a:txBody>
+                  <a:tcPr/>
+                </a:tc>
+                <a:tc>
+                  <a:txBody>
+                    <a:bodyPr/>
+                    <a:lstStyle/>
+                    <a:p>
+                      <a:r>
+                        <a:rPr lang="en-US" altLang="zh-TW" dirty="0" smtClean="0"/>
+                        <a:t>0.9715</a:t>
+                      </a:r>
+                      <a:endParaRPr lang="zh-TW" altLang="en-US" dirty="0"/>
+                    </a:p>
+                  </a:txBody>
+                  <a:tcPr/>
+                </a:tc>
+              </a:tr>
+              <a:tr h="370840">
+                <a:tc>
+                  <a:txBody>
+                    <a:bodyPr/>
+                    <a:lstStyle/>
+                    <a:p>
+                      <a:pPr marL="0" marR="0" indent="0" algn="l" defTabSz="914400" rtl="0" eaLnBrk="1" fontAlgn="auto" latinLnBrk="0" hangingPunct="1">
+                        <a:lnSpc>
+                          <a:spcPct val="100000"/>
+                        </a:lnSpc>
+                        <a:spcBef>
+                          <a:spcPts val="0"/>
+                        </a:spcBef>
+                        <a:spcAft>
+                          <a:spcPts val="0"/>
+                        </a:spcAft>
+                        <a:buClrTx/>
+                        <a:buSzTx/>
+                        <a:buFontTx/>
+                        <a:buNone/>
+                        <a:tabLst/>
+                        <a:defRPr/>
+                      </a:pPr>
+                      <a:r>
+                        <a:rPr lang="en-US" altLang="zh-TW" dirty="0" smtClean="0"/>
+                        <a:t>Decision</a:t>
+                      </a:r>
+                      <a:r>
+                        <a:rPr lang="en-US" altLang="zh-TW" baseline="0" dirty="0" smtClean="0"/>
+                        <a:t> </a:t>
+                      </a:r>
+                      <a:r>
+                        <a:rPr lang="en-US" altLang="zh-TW" baseline="0" dirty="0" smtClean="0"/>
+                        <a:t>Tree </a:t>
+                      </a:r>
+                      <a:r>
+                        <a:rPr lang="en-US" altLang="zh-TW" dirty="0" smtClean="0"/>
+                        <a:t>(with </a:t>
+                      </a:r>
+                      <a:r>
+                        <a:rPr lang="en-US" altLang="zh-TW" sz="1800" kern="1200" dirty="0" smtClean="0">
+                          <a:solidFill>
+                            <a:schemeClr val="dk1"/>
+                          </a:solidFill>
+                          <a:effectLst/>
+                          <a:latin typeface="+mn-lt"/>
+                          <a:ea typeface="+mn-ea"/>
+                          <a:cs typeface="+mn-cs"/>
+                        </a:rPr>
+                        <a:t>cross-validation</a:t>
+                      </a:r>
+                      <a:r>
+                        <a:rPr lang="zh-TW" altLang="zh-TW" dirty="0" smtClean="0">
+                          <a:effectLst/>
+                        </a:rPr>
+                        <a:t> </a:t>
+                      </a:r>
+                      <a:r>
+                        <a:rPr lang="en-US" altLang="zh-TW" dirty="0" smtClean="0"/>
+                        <a:t>)</a:t>
+                      </a:r>
+                      <a:endParaRPr lang="zh-TW" altLang="en-US" dirty="0" smtClean="0"/>
+                    </a:p>
+                  </a:txBody>
+                  <a:tcPr/>
+                </a:tc>
+                <a:tc>
+                  <a:txBody>
+                    <a:bodyPr/>
+                    <a:lstStyle/>
+                    <a:p>
+                      <a:r>
+                        <a:rPr lang="en-US" altLang="zh-TW" dirty="0" smtClean="0"/>
+                        <a:t>0.9873</a:t>
+                      </a:r>
+                      <a:endParaRPr lang="zh-TW" altLang="en-US" dirty="0"/>
+                    </a:p>
+                  </a:txBody>
+                  <a:tcPr/>
+                </a:tc>
+                <a:tc>
+                  <a:txBody>
+                    <a:bodyPr/>
+                    <a:lstStyle/>
+                    <a:p>
+                      <a:r>
+                        <a:rPr lang="en-US" altLang="zh-TW" dirty="0" smtClean="0"/>
+                        <a:t>1.0000</a:t>
+                      </a:r>
+                      <a:endParaRPr lang="zh-TW" altLang="en-US" dirty="0"/>
+                    </a:p>
+                  </a:txBody>
+                  <a:tcPr/>
+                </a:tc>
+                <a:tc>
+                  <a:txBody>
+                    <a:bodyPr/>
+                    <a:lstStyle/>
+                    <a:p>
+                      <a:r>
+                        <a:rPr lang="en-US" altLang="zh-TW" dirty="0" smtClean="0"/>
+                        <a:t>0.9937</a:t>
+                      </a:r>
+                      <a:endParaRPr lang="zh-TW" altLang="en-US" dirty="0"/>
+                    </a:p>
+                  </a:txBody>
+                  <a:tcPr/>
+                </a:tc>
+              </a:tr>
+              <a:tr h="370840">
+                <a:tc>
+                  <a:txBody>
+                    <a:bodyPr/>
+                    <a:lstStyle/>
+                    <a:p>
+                      <a:r>
+                        <a:rPr lang="en-US" altLang="zh-TW" dirty="0" smtClean="0"/>
+                        <a:t>Naïve</a:t>
+                      </a:r>
+                      <a:r>
+                        <a:rPr lang="en-US" altLang="zh-TW" baseline="0" dirty="0" smtClean="0"/>
+                        <a:t> Bayes</a:t>
+                      </a:r>
+                      <a:endParaRPr lang="zh-TW" altLang="en-US" dirty="0"/>
+                    </a:p>
+                  </a:txBody>
+                  <a:tcPr/>
+                </a:tc>
+                <a:tc>
+                  <a:txBody>
+                    <a:bodyPr/>
+                    <a:lstStyle/>
+                    <a:p>
+                      <a:r>
+                        <a:rPr lang="en-US" altLang="zh-TW" dirty="0" smtClean="0"/>
+                        <a:t>0.8986</a:t>
+                      </a:r>
+                      <a:endParaRPr lang="zh-TW" altLang="en-US" dirty="0"/>
+                    </a:p>
+                  </a:txBody>
+                  <a:tcPr/>
+                </a:tc>
+                <a:tc>
+                  <a:txBody>
+                    <a:bodyPr/>
+                    <a:lstStyle/>
+                    <a:p>
+                      <a:r>
+                        <a:rPr lang="en-US" altLang="zh-TW" dirty="0" smtClean="0"/>
+                        <a:t>9.8876</a:t>
+                      </a:r>
+                      <a:endParaRPr lang="zh-TW" altLang="en-US" dirty="0"/>
+                    </a:p>
+                  </a:txBody>
+                  <a:tcPr/>
+                </a:tc>
+                <a:tc>
+                  <a:txBody>
+                    <a:bodyPr/>
+                    <a:lstStyle/>
+                    <a:p>
+                      <a:r>
+                        <a:rPr lang="en-US" altLang="zh-TW" dirty="0" smtClean="0"/>
+                        <a:t>0.8927</a:t>
+                      </a:r>
+                      <a:endParaRPr lang="zh-TW" altLang="en-US" dirty="0"/>
+                    </a:p>
+                  </a:txBody>
+                  <a:tcPr/>
+                </a:tc>
+              </a:tr>
+              <a:tr h="370840">
+                <a:tc>
+                  <a:txBody>
+                    <a:bodyPr/>
+                    <a:lstStyle/>
+                    <a:p>
+                      <a:pPr marL="0" marR="0" indent="0" algn="l" defTabSz="914400" rtl="0" eaLnBrk="1" fontAlgn="auto" latinLnBrk="0" hangingPunct="1">
+                        <a:lnSpc>
+                          <a:spcPct val="100000"/>
+                        </a:lnSpc>
+                        <a:spcBef>
+                          <a:spcPts val="0"/>
+                        </a:spcBef>
+                        <a:spcAft>
+                          <a:spcPts val="0"/>
+                        </a:spcAft>
+                        <a:buClrTx/>
+                        <a:buSzTx/>
+                        <a:buFontTx/>
+                        <a:buNone/>
+                        <a:tabLst/>
+                        <a:defRPr/>
+                      </a:pPr>
+                      <a:r>
+                        <a:rPr lang="en-US" altLang="zh-TW" dirty="0" smtClean="0"/>
+                        <a:t>Naïve</a:t>
+                      </a:r>
+                      <a:r>
+                        <a:rPr lang="en-US" altLang="zh-TW" baseline="0" dirty="0" smtClean="0"/>
+                        <a:t> Bayes </a:t>
+                      </a:r>
+                      <a:r>
+                        <a:rPr lang="en-US" altLang="zh-TW" dirty="0" smtClean="0"/>
+                        <a:t>(with </a:t>
+                      </a:r>
+                      <a:r>
+                        <a:rPr lang="en-US" altLang="zh-TW" sz="1800" kern="1200" dirty="0" smtClean="0">
+                          <a:solidFill>
+                            <a:schemeClr val="dk1"/>
+                          </a:solidFill>
+                          <a:effectLst/>
+                          <a:latin typeface="+mn-lt"/>
+                          <a:ea typeface="+mn-ea"/>
+                          <a:cs typeface="+mn-cs"/>
+                        </a:rPr>
+                        <a:t>cross-validation</a:t>
+                      </a:r>
+                      <a:r>
+                        <a:rPr lang="zh-TW" altLang="zh-TW" dirty="0" smtClean="0">
+                          <a:effectLst/>
+                        </a:rPr>
+                        <a:t> </a:t>
+                      </a:r>
+                      <a:r>
+                        <a:rPr lang="en-US" altLang="zh-TW" dirty="0" smtClean="0"/>
+                        <a:t>)</a:t>
+                      </a:r>
+                      <a:endParaRPr lang="zh-TW" altLang="en-US" dirty="0" smtClean="0"/>
+                    </a:p>
+                  </a:txBody>
+                  <a:tcPr/>
+                </a:tc>
+                <a:tc>
+                  <a:txBody>
+                    <a:bodyPr/>
+                    <a:lstStyle/>
+                    <a:p>
+                      <a:r>
+                        <a:rPr lang="en-US" altLang="zh-TW" dirty="0" smtClean="0"/>
+                        <a:t>0.8797</a:t>
+                      </a:r>
+                      <a:endParaRPr lang="zh-TW" altLang="en-US" dirty="0"/>
+                    </a:p>
+                  </a:txBody>
+                  <a:tcPr/>
+                </a:tc>
+                <a:tc>
+                  <a:txBody>
+                    <a:bodyPr/>
+                    <a:lstStyle/>
+                    <a:p>
+                      <a:r>
+                        <a:rPr lang="en-US" altLang="zh-TW" dirty="0" smtClean="0"/>
+                        <a:t>0.9119</a:t>
+                      </a:r>
+                      <a:endParaRPr lang="zh-TW" altLang="en-US" dirty="0"/>
+                    </a:p>
+                  </a:txBody>
+                  <a:tcPr/>
+                </a:tc>
+                <a:tc>
+                  <a:txBody>
+                    <a:bodyPr/>
+                    <a:lstStyle/>
+                    <a:p>
+                      <a:r>
+                        <a:rPr lang="en-US" altLang="zh-TW" dirty="0" smtClean="0"/>
+                        <a:t>0.8959</a:t>
+                      </a:r>
+                      <a:endParaRPr lang="zh-TW" altLang="en-US" dirty="0"/>
+                    </a:p>
+                  </a:txBody>
+                  <a:tcPr/>
+                </a:tc>
+              </a:tr>
+              <a:tr h="370840">
+                <a:tc>
+                  <a:txBody>
+                    <a:bodyPr/>
+                    <a:lstStyle/>
+                    <a:p>
+                      <a:r>
+                        <a:rPr lang="en-US" altLang="zh-TW" dirty="0" smtClean="0"/>
+                        <a:t>KNN</a:t>
+                      </a:r>
+                      <a:endParaRPr lang="zh-TW" altLang="en-US" dirty="0"/>
+                    </a:p>
+                  </a:txBody>
+                  <a:tcPr/>
+                </a:tc>
+                <a:tc>
+                  <a:txBody>
+                    <a:bodyPr/>
+                    <a:lstStyle/>
+                    <a:p>
+                      <a:r>
+                        <a:rPr lang="en-US" altLang="zh-TW" dirty="0" smtClean="0"/>
+                        <a:t>0.7095</a:t>
+                      </a:r>
+                      <a:endParaRPr lang="zh-TW" altLang="en-US" dirty="0"/>
+                    </a:p>
+                  </a:txBody>
+                  <a:tcPr/>
+                </a:tc>
+                <a:tc>
+                  <a:txBody>
+                    <a:bodyPr/>
+                    <a:lstStyle/>
+                    <a:p>
+                      <a:r>
+                        <a:rPr lang="en-US" altLang="zh-TW" dirty="0" smtClean="0"/>
+                        <a:t>0.7041</a:t>
+                      </a:r>
+                      <a:endParaRPr lang="zh-TW" altLang="en-US" dirty="0"/>
+                    </a:p>
+                  </a:txBody>
+                  <a:tcPr/>
+                </a:tc>
+                <a:tc>
+                  <a:txBody>
+                    <a:bodyPr/>
+                    <a:lstStyle/>
+                    <a:p>
+                      <a:r>
+                        <a:rPr lang="en-US" altLang="zh-TW" dirty="0" smtClean="0"/>
+                        <a:t>0.7066</a:t>
+                      </a:r>
+                      <a:endParaRPr lang="zh-TW" altLang="en-US" dirty="0"/>
+                    </a:p>
+                  </a:txBody>
+                  <a:tcPr/>
+                </a:tc>
+              </a:tr>
+              <a:tr h="370840">
+                <a:tc>
+                  <a:txBody>
+                    <a:bodyPr/>
+                    <a:lstStyle/>
+                    <a:p>
+                      <a:pPr marL="0" marR="0" indent="0" algn="l" defTabSz="914400" rtl="0" eaLnBrk="1" fontAlgn="auto" latinLnBrk="0" hangingPunct="1">
+                        <a:lnSpc>
+                          <a:spcPct val="100000"/>
+                        </a:lnSpc>
+                        <a:spcBef>
+                          <a:spcPts val="0"/>
+                        </a:spcBef>
+                        <a:spcAft>
+                          <a:spcPts val="0"/>
+                        </a:spcAft>
+                        <a:buClrTx/>
+                        <a:buSzTx/>
+                        <a:buFontTx/>
+                        <a:buNone/>
+                        <a:tabLst/>
+                        <a:defRPr/>
+                      </a:pPr>
+                      <a:r>
+                        <a:rPr lang="en-US" altLang="zh-TW" dirty="0" smtClean="0"/>
+                        <a:t>KNN</a:t>
+                      </a:r>
+                      <a:r>
+                        <a:rPr lang="en-US" altLang="zh-TW" baseline="0" dirty="0" smtClean="0"/>
+                        <a:t> </a:t>
+                      </a:r>
+                      <a:r>
+                        <a:rPr lang="en-US" altLang="zh-TW" dirty="0" smtClean="0"/>
+                        <a:t>(with </a:t>
+                      </a:r>
+                      <a:r>
+                        <a:rPr lang="en-US" altLang="zh-TW" sz="1800" kern="1200" dirty="0" smtClean="0">
+                          <a:solidFill>
+                            <a:schemeClr val="dk1"/>
+                          </a:solidFill>
+                          <a:effectLst/>
+                          <a:latin typeface="+mn-lt"/>
+                          <a:ea typeface="+mn-ea"/>
+                          <a:cs typeface="+mn-cs"/>
+                        </a:rPr>
+                        <a:t>cross-validation</a:t>
+                      </a:r>
+                      <a:r>
+                        <a:rPr lang="zh-TW" altLang="zh-TW" dirty="0" smtClean="0">
+                          <a:effectLst/>
+                        </a:rPr>
+                        <a:t> </a:t>
+                      </a:r>
+                      <a:r>
+                        <a:rPr lang="en-US" altLang="zh-TW" dirty="0" smtClean="0"/>
+                        <a:t>)</a:t>
+                      </a:r>
+                      <a:endParaRPr lang="zh-TW" altLang="en-US" dirty="0" smtClean="0"/>
+                    </a:p>
+                  </a:txBody>
+                  <a:tcPr/>
+                </a:tc>
+                <a:tc>
+                  <a:txBody>
+                    <a:bodyPr/>
+                    <a:lstStyle/>
+                    <a:p>
+                      <a:r>
+                        <a:rPr lang="en-US" altLang="zh-TW" dirty="0" smtClean="0"/>
+                        <a:t>0.7342</a:t>
+                      </a:r>
+                      <a:endParaRPr lang="zh-TW" altLang="en-US" dirty="0"/>
+                    </a:p>
+                  </a:txBody>
+                  <a:tcPr/>
+                </a:tc>
+                <a:tc>
+                  <a:txBody>
+                    <a:bodyPr/>
+                    <a:lstStyle/>
+                    <a:p>
+                      <a:r>
+                        <a:rPr lang="en-US" altLang="zh-TW" dirty="0" smtClean="0"/>
+                        <a:t>0.7547</a:t>
+                      </a:r>
+                      <a:endParaRPr lang="zh-TW" altLang="en-US" dirty="0"/>
+                    </a:p>
+                  </a:txBody>
+                  <a:tcPr/>
+                </a:tc>
+                <a:tc>
+                  <a:txBody>
+                    <a:bodyPr/>
+                    <a:lstStyle/>
+                    <a:p>
+                      <a:r>
+                        <a:rPr lang="en-US" altLang="zh-TW" dirty="0" smtClean="0"/>
+                        <a:t>0.7445</a:t>
+                      </a:r>
+                      <a:endParaRPr lang="zh-TW" altLang="en-US" dirty="0"/>
+                    </a:p>
+                  </a:txBody>
+                  <a:tcPr/>
+                </a:tc>
+              </a:tr>
+            </a:tbl>
+          </a:graphicData>
+        </a:graphic>
+      </p:graphicFrame>
+    </p:spTree>
+    <p:extLst>
+      <p:ext uri="{BB962C8B-B14F-4D97-AF65-F5344CB8AC3E}">
+        <p14:creationId xmlns:p14="http://schemas.microsoft.com/office/powerpoint/2010/main" val="1700418164"/>
+      </p:ext>
+    </p:extLst>
+  </p:cSld>
+  <p:clrMapOvr>
+    <a:masterClrMapping/>
+  </p:clrMapOvr>
+</p:sld>
+</file>
+
+<file path=ppt/slides/slide14.xml><?xml version="1.0" encoding="utf-8"?>
+<p:sld xmlns:a="http://schemas.openxmlformats.org/drawingml/2006/main" xmlns:r="http://schemas.openxmlformats.org/officeDocument/2006/relationships" xmlns:p="http://schemas.openxmlformats.org/presentationml/2006/main">
+  <p:cSld>
+    <p:spTree>
+      <p:nvGrpSpPr>
+        <p:cNvPr id="1" name=""/>
+        <p:cNvGrpSpPr/>
+        <p:nvPr/>
+      </p:nvGrpSpPr>
+      <p:grpSpPr>
+        <a:xfrm>
+          <a:off x="0" y="0"/>
+          <a:ext cx="0" cy="0"/>
+          <a:chOff x="0" y="0"/>
+          <a:chExt cx="0" cy="0"/>
+        </a:xfrm>
+      </p:grpSpPr>
+      <p:sp>
+        <p:nvSpPr>
+          <p:cNvPr id="2" name="標題 1"/>
           <p:cNvSpPr>
             <a:spLocks noGrp="1"/>
           </p:cNvSpPr>
           <p:nvPr>
-            <p:ph idx="1"/>
+            <p:ph type="title"/>
           </p:nvPr>
         </p:nvSpPr>
         <p:spPr/>
@@ -4514,10 +6581,1355 @@
           <a:bodyPr/>
           <a:lstStyle/>
           <a:p>
-            <a:endParaRPr kumimoji="1" lang="zh-TW" altLang="en-US"/>
-          </a:p>
-        </p:txBody>
-      </p:sp>
+            <a:r>
+              <a:rPr kumimoji="1" lang="en-US" altLang="zh-TW" dirty="0" err="1" smtClean="0"/>
+              <a:t>Improvment</a:t>
+            </a:r>
+            <a:endParaRPr kumimoji="1" lang="zh-TW" altLang="en-US" dirty="0"/>
+          </a:p>
+        </p:txBody>
+      </p:sp>
+      <p:sp>
+        <p:nvSpPr>
+          <p:cNvPr id="3" name="內容版面配置區 2"/>
+          <p:cNvSpPr>
+            <a:spLocks noGrp="1"/>
+          </p:cNvSpPr>
+          <p:nvPr>
+            <p:ph idx="1"/>
+          </p:nvPr>
+        </p:nvSpPr>
+        <p:spPr/>
+        <p:txBody>
+          <a:bodyPr>
+            <a:normAutofit/>
+          </a:bodyPr>
+          <a:lstStyle/>
+          <a:p>
+            <a:pPr>
+              <a:buFont typeface="Wingdings" charset="2"/>
+              <a:buChar char="l"/>
+            </a:pPr>
+            <a:r>
+              <a:rPr kumimoji="1" lang="en-US" altLang="zh-TW" sz="2500" dirty="0" smtClean="0"/>
+              <a:t> Cross-validation can improve model performance</a:t>
+            </a:r>
+            <a:endParaRPr kumimoji="1" lang="zh-TW" altLang="en-US" sz="2500" dirty="0"/>
+          </a:p>
+        </p:txBody>
+      </p:sp>
+      <p:graphicFrame>
+        <p:nvGraphicFramePr>
+          <p:cNvPr id="4" name="表格 3"/>
+          <p:cNvGraphicFramePr>
+            <a:graphicFrameLocks noGrp="1"/>
+          </p:cNvGraphicFramePr>
+          <p:nvPr>
+            <p:extLst>
+              <p:ext uri="{D42A27DB-BD31-4B8C-83A1-F6EECF244321}">
+                <p14:modId xmlns:p14="http://schemas.microsoft.com/office/powerpoint/2010/main" val="1046448199"/>
+              </p:ext>
+            </p:extLst>
+          </p:nvPr>
+        </p:nvGraphicFramePr>
+        <p:xfrm>
+          <a:off x="1906555" y="2747434"/>
+          <a:ext cx="8439849" cy="2219960"/>
+        </p:xfrm>
+        <a:graphic>
+          <a:graphicData uri="http://schemas.openxmlformats.org/drawingml/2006/table">
+            <a:tbl>
+              <a:tblPr firstRow="1" bandRow="1">
+                <a:tableStyleId>{21E4AEA4-8DFA-4A89-87EB-49C32662AFE0}</a:tableStyleId>
+              </a:tblPr>
+              <a:tblGrid>
+                <a:gridCol w="2032000"/>
+                <a:gridCol w="2032000"/>
+                <a:gridCol w="2343849"/>
+                <a:gridCol w="2032000"/>
+              </a:tblGrid>
+              <a:tr h="300092">
+                <a:tc>
+                  <a:txBody>
+                    <a:bodyPr/>
+                    <a:lstStyle/>
+                    <a:p>
+                      <a:r>
+                        <a:rPr lang="en-US" altLang="zh-TW" dirty="0" smtClean="0">
+                          <a:solidFill>
+                            <a:schemeClr val="bg1"/>
+                          </a:solidFill>
+                        </a:rPr>
+                        <a:t> </a:t>
+                      </a:r>
+                      <a:endParaRPr lang="zh-TW" altLang="en-US" dirty="0">
+                        <a:solidFill>
+                          <a:schemeClr val="bg1"/>
+                        </a:solidFill>
+                      </a:endParaRPr>
+                    </a:p>
+                  </a:txBody>
+                  <a:tcPr/>
+                </a:tc>
+                <a:tc>
+                  <a:txBody>
+                    <a:bodyPr/>
+                    <a:lstStyle/>
+                    <a:p>
+                      <a:pPr marL="0" marR="0" indent="0" algn="l" defTabSz="914400" rtl="0" eaLnBrk="1" fontAlgn="auto" latinLnBrk="0" hangingPunct="1">
+                        <a:lnSpc>
+                          <a:spcPct val="100000"/>
+                        </a:lnSpc>
+                        <a:spcBef>
+                          <a:spcPts val="0"/>
+                        </a:spcBef>
+                        <a:spcAft>
+                          <a:spcPts val="0"/>
+                        </a:spcAft>
+                        <a:buClrTx/>
+                        <a:buSzTx/>
+                        <a:buFontTx/>
+                        <a:buNone/>
+                        <a:tabLst/>
+                        <a:defRPr/>
+                      </a:pPr>
+                      <a:r>
+                        <a:rPr lang="en-US" altLang="zh-TW" dirty="0" smtClean="0"/>
+                        <a:t>Accuracy</a:t>
+                      </a:r>
+                      <a:endParaRPr lang="zh-TW" altLang="en-US" dirty="0" smtClean="0"/>
+                    </a:p>
+                  </a:txBody>
+                  <a:tcPr/>
+                </a:tc>
+                <a:tc>
+                  <a:txBody>
+                    <a:bodyPr/>
+                    <a:lstStyle/>
+                    <a:p>
+                      <a:r>
+                        <a:rPr lang="en-US" altLang="zh-TW" dirty="0" smtClean="0">
+                          <a:solidFill>
+                            <a:schemeClr val="bg1"/>
+                          </a:solidFill>
+                        </a:rPr>
+                        <a:t> </a:t>
+                      </a:r>
+                      <a:endParaRPr lang="zh-TW" altLang="en-US" dirty="0">
+                        <a:solidFill>
+                          <a:schemeClr val="bg1"/>
+                        </a:solidFill>
+                      </a:endParaRPr>
+                    </a:p>
+                  </a:txBody>
+                  <a:tcPr/>
+                </a:tc>
+                <a:tc>
+                  <a:txBody>
+                    <a:bodyPr/>
+                    <a:lstStyle/>
+                    <a:p>
+                      <a:pPr marL="0" marR="0" indent="0" algn="l" defTabSz="914400" rtl="0" eaLnBrk="1" fontAlgn="auto" latinLnBrk="0" hangingPunct="1">
+                        <a:lnSpc>
+                          <a:spcPct val="100000"/>
+                        </a:lnSpc>
+                        <a:spcBef>
+                          <a:spcPts val="0"/>
+                        </a:spcBef>
+                        <a:spcAft>
+                          <a:spcPts val="0"/>
+                        </a:spcAft>
+                        <a:buClrTx/>
+                        <a:buSzTx/>
+                        <a:buFontTx/>
+                        <a:buNone/>
+                        <a:tabLst/>
+                        <a:defRPr/>
+                      </a:pPr>
+                      <a:r>
+                        <a:rPr lang="en-US" altLang="zh-TW" dirty="0" smtClean="0"/>
+                        <a:t>Accuracy</a:t>
+                      </a:r>
+                      <a:endParaRPr lang="zh-TW" altLang="en-US" dirty="0" smtClean="0"/>
+                    </a:p>
+                  </a:txBody>
+                  <a:tcPr/>
+                </a:tc>
+              </a:tr>
+              <a:tr h="370840">
+                <a:tc>
+                  <a:txBody>
+                    <a:bodyPr/>
+                    <a:lstStyle/>
+                    <a:p>
+                      <a:pPr marL="0" marR="0" indent="0" algn="l" defTabSz="914400" rtl="0" eaLnBrk="1" fontAlgn="auto" latinLnBrk="0" hangingPunct="1">
+                        <a:lnSpc>
+                          <a:spcPct val="100000"/>
+                        </a:lnSpc>
+                        <a:spcBef>
+                          <a:spcPts val="0"/>
+                        </a:spcBef>
+                        <a:spcAft>
+                          <a:spcPts val="0"/>
+                        </a:spcAft>
+                        <a:buClrTx/>
+                        <a:buSzTx/>
+                        <a:buFontTx/>
+                        <a:buNone/>
+                        <a:tabLst/>
+                        <a:defRPr/>
+                      </a:pPr>
+                      <a:r>
+                        <a:rPr lang="en-US" altLang="zh-TW" dirty="0" smtClean="0">
+                          <a:solidFill>
+                            <a:schemeClr val="bg1"/>
+                          </a:solidFill>
+                        </a:rPr>
+                        <a:t>SVM</a:t>
+                      </a:r>
+                      <a:endParaRPr lang="zh-TW" altLang="en-US" dirty="0" smtClean="0">
+                        <a:solidFill>
+                          <a:schemeClr val="bg1"/>
+                        </a:solidFill>
+                      </a:endParaRPr>
+                    </a:p>
+                  </a:txBody>
+                  <a:tcPr>
+                    <a:solidFill>
+                      <a:schemeClr val="accent2"/>
+                    </a:solidFill>
+                  </a:tcPr>
+                </a:tc>
+                <a:tc>
+                  <a:txBody>
+                    <a:bodyPr/>
+                    <a:lstStyle/>
+                    <a:p>
+                      <a:pPr marL="0" marR="0" indent="0" algn="l" defTabSz="914400" rtl="0" eaLnBrk="1" fontAlgn="auto" latinLnBrk="0" hangingPunct="1">
+                        <a:lnSpc>
+                          <a:spcPct val="100000"/>
+                        </a:lnSpc>
+                        <a:spcBef>
+                          <a:spcPts val="0"/>
+                        </a:spcBef>
+                        <a:spcAft>
+                          <a:spcPts val="0"/>
+                        </a:spcAft>
+                        <a:buClrTx/>
+                        <a:buSzTx/>
+                        <a:buFontTx/>
+                        <a:buNone/>
+                        <a:tabLst/>
+                        <a:defRPr/>
+                      </a:pPr>
+                      <a:r>
+                        <a:rPr lang="en-US" altLang="zh-TW" dirty="0" smtClean="0"/>
+                        <a:t>0.9748</a:t>
+                      </a:r>
+                      <a:endParaRPr lang="zh-TW" altLang="en-US" dirty="0" smtClean="0"/>
+                    </a:p>
+                  </a:txBody>
+                  <a:tcPr/>
+                </a:tc>
+                <a:tc>
+                  <a:txBody>
+                    <a:bodyPr/>
+                    <a:lstStyle/>
+                    <a:p>
+                      <a:pPr marL="0" marR="0" indent="0" algn="l" defTabSz="914400" rtl="0" eaLnBrk="1" fontAlgn="auto" latinLnBrk="0" hangingPunct="1">
+                        <a:lnSpc>
+                          <a:spcPct val="100000"/>
+                        </a:lnSpc>
+                        <a:spcBef>
+                          <a:spcPts val="0"/>
+                        </a:spcBef>
+                        <a:spcAft>
+                          <a:spcPts val="0"/>
+                        </a:spcAft>
+                        <a:buClrTx/>
+                        <a:buSzTx/>
+                        <a:buFontTx/>
+                        <a:buNone/>
+                        <a:tabLst/>
+                        <a:defRPr/>
+                      </a:pPr>
+                      <a:r>
+                        <a:rPr lang="en-US" altLang="zh-TW" dirty="0" smtClean="0">
+                          <a:solidFill>
+                            <a:schemeClr val="bg1"/>
+                          </a:solidFill>
+                        </a:rPr>
+                        <a:t>(with</a:t>
+                      </a:r>
+                      <a:r>
+                        <a:rPr lang="en-US" altLang="zh-TW" baseline="0" dirty="0" smtClean="0">
+                          <a:solidFill>
+                            <a:schemeClr val="bg1"/>
+                          </a:solidFill>
+                        </a:rPr>
+                        <a:t> </a:t>
+                      </a:r>
+                      <a:r>
+                        <a:rPr lang="en-US" altLang="zh-TW" sz="1800" kern="1200" dirty="0" smtClean="0">
+                          <a:solidFill>
+                            <a:schemeClr val="bg1"/>
+                          </a:solidFill>
+                          <a:effectLst/>
+                          <a:latin typeface="+mn-lt"/>
+                          <a:ea typeface="+mn-ea"/>
+                          <a:cs typeface="+mn-cs"/>
+                        </a:rPr>
+                        <a:t>cross-validation</a:t>
+                      </a:r>
+                      <a:r>
+                        <a:rPr lang="zh-TW" altLang="zh-TW" dirty="0" smtClean="0">
+                          <a:solidFill>
+                            <a:schemeClr val="bg1"/>
+                          </a:solidFill>
+                          <a:effectLst/>
+                        </a:rPr>
+                        <a:t> </a:t>
+                      </a:r>
+                      <a:r>
+                        <a:rPr lang="en-US" altLang="zh-TW" dirty="0" smtClean="0">
+                          <a:solidFill>
+                            <a:schemeClr val="bg1"/>
+                          </a:solidFill>
+                        </a:rPr>
+                        <a:t>)</a:t>
+                      </a:r>
+                      <a:endParaRPr lang="zh-TW" altLang="en-US" dirty="0" smtClean="0">
+                        <a:solidFill>
+                          <a:schemeClr val="bg1"/>
+                        </a:solidFill>
+                      </a:endParaRPr>
+                    </a:p>
+                  </a:txBody>
+                  <a:tcPr>
+                    <a:solidFill>
+                      <a:schemeClr val="accent2"/>
+                    </a:solidFill>
+                  </a:tcPr>
+                </a:tc>
+                <a:tc>
+                  <a:txBody>
+                    <a:bodyPr/>
+                    <a:lstStyle/>
+                    <a:p>
+                      <a:r>
+                        <a:rPr lang="en-US" altLang="zh-TW" dirty="0" smtClean="0"/>
+                        <a:t>1.0000</a:t>
+                      </a:r>
+                      <a:endParaRPr lang="zh-TW" altLang="en-US" dirty="0"/>
+                    </a:p>
+                  </a:txBody>
+                  <a:tcPr/>
+                </a:tc>
+              </a:tr>
+              <a:tr h="370840">
+                <a:tc>
+                  <a:txBody>
+                    <a:bodyPr/>
+                    <a:lstStyle/>
+                    <a:p>
+                      <a:pPr marL="0" marR="0" indent="0" algn="l" defTabSz="914400" rtl="0" eaLnBrk="1" fontAlgn="auto" latinLnBrk="0" hangingPunct="1">
+                        <a:lnSpc>
+                          <a:spcPct val="100000"/>
+                        </a:lnSpc>
+                        <a:spcBef>
+                          <a:spcPts val="0"/>
+                        </a:spcBef>
+                        <a:spcAft>
+                          <a:spcPts val="0"/>
+                        </a:spcAft>
+                        <a:buClrTx/>
+                        <a:buSzTx/>
+                        <a:buFontTx/>
+                        <a:buNone/>
+                        <a:tabLst/>
+                        <a:defRPr/>
+                      </a:pPr>
+                      <a:r>
+                        <a:rPr lang="en-US" altLang="zh-TW" dirty="0" smtClean="0">
+                          <a:solidFill>
+                            <a:schemeClr val="bg1"/>
+                          </a:solidFill>
+                        </a:rPr>
+                        <a:t>Random Forest</a:t>
+                      </a:r>
+                      <a:endParaRPr lang="zh-TW" altLang="en-US" dirty="0" smtClean="0">
+                        <a:solidFill>
+                          <a:schemeClr val="bg1"/>
+                        </a:solidFill>
+                      </a:endParaRPr>
+                    </a:p>
+                  </a:txBody>
+                  <a:tcPr>
+                    <a:solidFill>
+                      <a:schemeClr val="accent2"/>
+                    </a:solidFill>
+                  </a:tcPr>
+                </a:tc>
+                <a:tc>
+                  <a:txBody>
+                    <a:bodyPr/>
+                    <a:lstStyle/>
+                    <a:p>
+                      <a:pPr marL="0" marR="0" indent="0" algn="l" defTabSz="914400" rtl="0" eaLnBrk="1" fontAlgn="auto" latinLnBrk="0" hangingPunct="1">
+                        <a:lnSpc>
+                          <a:spcPct val="100000"/>
+                        </a:lnSpc>
+                        <a:spcBef>
+                          <a:spcPts val="0"/>
+                        </a:spcBef>
+                        <a:spcAft>
+                          <a:spcPts val="0"/>
+                        </a:spcAft>
+                        <a:buClrTx/>
+                        <a:buSzTx/>
+                        <a:buFontTx/>
+                        <a:buNone/>
+                        <a:tabLst/>
+                        <a:defRPr/>
+                      </a:pPr>
+                      <a:r>
+                        <a:rPr lang="en-US" altLang="zh-TW" smtClean="0"/>
+                        <a:t>0.9748</a:t>
+                      </a:r>
+                      <a:endParaRPr lang="zh-TW" altLang="en-US" smtClean="0"/>
+                    </a:p>
+                  </a:txBody>
+                  <a:tcPr/>
+                </a:tc>
+                <a:tc>
+                  <a:txBody>
+                    <a:bodyPr/>
+                    <a:lstStyle/>
+                    <a:p>
+                      <a:pPr marL="0" marR="0" indent="0" algn="l" defTabSz="914400" rtl="0" eaLnBrk="1" fontAlgn="auto" latinLnBrk="0" hangingPunct="1">
+                        <a:lnSpc>
+                          <a:spcPct val="100000"/>
+                        </a:lnSpc>
+                        <a:spcBef>
+                          <a:spcPts val="0"/>
+                        </a:spcBef>
+                        <a:spcAft>
+                          <a:spcPts val="0"/>
+                        </a:spcAft>
+                        <a:buClrTx/>
+                        <a:buSzTx/>
+                        <a:buFontTx/>
+                        <a:buNone/>
+                        <a:tabLst/>
+                        <a:defRPr/>
+                      </a:pPr>
+                      <a:r>
+                        <a:rPr lang="en-US" altLang="zh-TW" dirty="0" smtClean="0">
+                          <a:solidFill>
+                            <a:schemeClr val="bg1"/>
+                          </a:solidFill>
+                        </a:rPr>
+                        <a:t>(with</a:t>
+                      </a:r>
+                      <a:r>
+                        <a:rPr lang="en-US" altLang="zh-TW" baseline="0" dirty="0" smtClean="0">
+                          <a:solidFill>
+                            <a:schemeClr val="bg1"/>
+                          </a:solidFill>
+                        </a:rPr>
+                        <a:t> </a:t>
+                      </a:r>
+                      <a:r>
+                        <a:rPr lang="en-US" altLang="zh-TW" sz="1800" kern="1200" dirty="0" smtClean="0">
+                          <a:solidFill>
+                            <a:schemeClr val="bg1"/>
+                          </a:solidFill>
+                          <a:effectLst/>
+                          <a:latin typeface="+mn-lt"/>
+                          <a:ea typeface="+mn-ea"/>
+                          <a:cs typeface="+mn-cs"/>
+                        </a:rPr>
+                        <a:t>cross-validation</a:t>
+                      </a:r>
+                      <a:r>
+                        <a:rPr lang="zh-TW" altLang="zh-TW" dirty="0" smtClean="0">
+                          <a:solidFill>
+                            <a:schemeClr val="bg1"/>
+                          </a:solidFill>
+                          <a:effectLst/>
+                        </a:rPr>
+                        <a:t> </a:t>
+                      </a:r>
+                      <a:r>
+                        <a:rPr lang="en-US" altLang="zh-TW" dirty="0" smtClean="0">
+                          <a:solidFill>
+                            <a:schemeClr val="bg1"/>
+                          </a:solidFill>
+                        </a:rPr>
+                        <a:t>)</a:t>
+                      </a:r>
+                      <a:endParaRPr lang="zh-TW" altLang="en-US" dirty="0" smtClean="0">
+                        <a:solidFill>
+                          <a:schemeClr val="bg1"/>
+                        </a:solidFill>
+                      </a:endParaRPr>
+                    </a:p>
+                  </a:txBody>
+                  <a:tcPr>
+                    <a:solidFill>
+                      <a:schemeClr val="accent2"/>
+                    </a:solidFill>
+                  </a:tcPr>
+                </a:tc>
+                <a:tc>
+                  <a:txBody>
+                    <a:bodyPr/>
+                    <a:lstStyle/>
+                    <a:p>
+                      <a:pPr marL="0" marR="0" indent="0" algn="l" defTabSz="914400" rtl="0" eaLnBrk="1" fontAlgn="auto" latinLnBrk="0" hangingPunct="1">
+                        <a:lnSpc>
+                          <a:spcPct val="100000"/>
+                        </a:lnSpc>
+                        <a:spcBef>
+                          <a:spcPts val="0"/>
+                        </a:spcBef>
+                        <a:spcAft>
+                          <a:spcPts val="0"/>
+                        </a:spcAft>
+                        <a:buClrTx/>
+                        <a:buSzTx/>
+                        <a:buFontTx/>
+                        <a:buNone/>
+                        <a:tabLst/>
+                        <a:defRPr/>
+                      </a:pPr>
+                      <a:r>
+                        <a:rPr lang="en-US" altLang="zh-TW" dirty="0" smtClean="0"/>
+                        <a:t>0.9937</a:t>
+                      </a:r>
+                      <a:endParaRPr lang="zh-TW" altLang="en-US" dirty="0" smtClean="0"/>
+                    </a:p>
+                  </a:txBody>
+                  <a:tcPr/>
+                </a:tc>
+              </a:tr>
+              <a:tr h="370840">
+                <a:tc>
+                  <a:txBody>
+                    <a:bodyPr/>
+                    <a:lstStyle/>
+                    <a:p>
+                      <a:pPr marL="0" marR="0" indent="0" algn="l" defTabSz="914400" rtl="0" eaLnBrk="1" fontAlgn="auto" latinLnBrk="0" hangingPunct="1">
+                        <a:lnSpc>
+                          <a:spcPct val="100000"/>
+                        </a:lnSpc>
+                        <a:spcBef>
+                          <a:spcPts val="0"/>
+                        </a:spcBef>
+                        <a:spcAft>
+                          <a:spcPts val="0"/>
+                        </a:spcAft>
+                        <a:buClrTx/>
+                        <a:buSzTx/>
+                        <a:buFontTx/>
+                        <a:buNone/>
+                        <a:tabLst/>
+                        <a:defRPr/>
+                      </a:pPr>
+                      <a:r>
+                        <a:rPr lang="en-US" altLang="zh-TW" dirty="0" smtClean="0">
+                          <a:solidFill>
+                            <a:schemeClr val="bg1"/>
+                          </a:solidFill>
+                        </a:rPr>
+                        <a:t>Decision</a:t>
+                      </a:r>
+                      <a:r>
+                        <a:rPr lang="en-US" altLang="zh-TW" baseline="0" dirty="0" smtClean="0">
+                          <a:solidFill>
+                            <a:schemeClr val="bg1"/>
+                          </a:solidFill>
+                        </a:rPr>
+                        <a:t> Tree</a:t>
+                      </a:r>
+                      <a:endParaRPr lang="zh-TW" altLang="en-US" dirty="0" smtClean="0">
+                        <a:solidFill>
+                          <a:schemeClr val="bg1"/>
+                        </a:solidFill>
+                      </a:endParaRPr>
+                    </a:p>
+                  </a:txBody>
+                  <a:tcPr>
+                    <a:solidFill>
+                      <a:schemeClr val="accent2"/>
+                    </a:solidFill>
+                  </a:tcPr>
+                </a:tc>
+                <a:tc>
+                  <a:txBody>
+                    <a:bodyPr/>
+                    <a:lstStyle/>
+                    <a:p>
+                      <a:r>
+                        <a:rPr lang="en-US" altLang="zh-TW" dirty="0" smtClean="0"/>
+                        <a:t>0.9715</a:t>
+                      </a:r>
+                      <a:endParaRPr lang="zh-TW" altLang="en-US" dirty="0"/>
+                    </a:p>
+                  </a:txBody>
+                  <a:tcPr/>
+                </a:tc>
+                <a:tc>
+                  <a:txBody>
+                    <a:bodyPr/>
+                    <a:lstStyle/>
+                    <a:p>
+                      <a:pPr marL="0" marR="0" indent="0" algn="l" defTabSz="914400" rtl="0" eaLnBrk="1" fontAlgn="auto" latinLnBrk="0" hangingPunct="1">
+                        <a:lnSpc>
+                          <a:spcPct val="100000"/>
+                        </a:lnSpc>
+                        <a:spcBef>
+                          <a:spcPts val="0"/>
+                        </a:spcBef>
+                        <a:spcAft>
+                          <a:spcPts val="0"/>
+                        </a:spcAft>
+                        <a:buClrTx/>
+                        <a:buSzTx/>
+                        <a:buFontTx/>
+                        <a:buNone/>
+                        <a:tabLst/>
+                        <a:defRPr/>
+                      </a:pPr>
+                      <a:r>
+                        <a:rPr lang="en-US" altLang="zh-TW" dirty="0" smtClean="0">
+                          <a:solidFill>
+                            <a:schemeClr val="bg1"/>
+                          </a:solidFill>
+                        </a:rPr>
+                        <a:t>(with</a:t>
+                      </a:r>
+                      <a:r>
+                        <a:rPr lang="en-US" altLang="zh-TW" baseline="0" dirty="0" smtClean="0">
+                          <a:solidFill>
+                            <a:schemeClr val="bg1"/>
+                          </a:solidFill>
+                        </a:rPr>
+                        <a:t> </a:t>
+                      </a:r>
+                      <a:r>
+                        <a:rPr lang="en-US" altLang="zh-TW" sz="1800" kern="1200" dirty="0" smtClean="0">
+                          <a:solidFill>
+                            <a:schemeClr val="bg1"/>
+                          </a:solidFill>
+                          <a:effectLst/>
+                          <a:latin typeface="+mn-lt"/>
+                          <a:ea typeface="+mn-ea"/>
+                          <a:cs typeface="+mn-cs"/>
+                        </a:rPr>
+                        <a:t>cross-validation</a:t>
+                      </a:r>
+                      <a:r>
+                        <a:rPr lang="zh-TW" altLang="zh-TW" dirty="0" smtClean="0">
+                          <a:solidFill>
+                            <a:schemeClr val="bg1"/>
+                          </a:solidFill>
+                          <a:effectLst/>
+                        </a:rPr>
+                        <a:t> </a:t>
+                      </a:r>
+                      <a:r>
+                        <a:rPr lang="en-US" altLang="zh-TW" dirty="0" smtClean="0">
+                          <a:solidFill>
+                            <a:schemeClr val="bg1"/>
+                          </a:solidFill>
+                        </a:rPr>
+                        <a:t>)</a:t>
+                      </a:r>
+                      <a:endParaRPr lang="zh-TW" altLang="en-US" dirty="0" smtClean="0">
+                        <a:solidFill>
+                          <a:schemeClr val="bg1"/>
+                        </a:solidFill>
+                      </a:endParaRPr>
+                    </a:p>
+                  </a:txBody>
+                  <a:tcPr>
+                    <a:solidFill>
+                      <a:schemeClr val="accent2"/>
+                    </a:solidFill>
+                  </a:tcPr>
+                </a:tc>
+                <a:tc>
+                  <a:txBody>
+                    <a:bodyPr/>
+                    <a:lstStyle/>
+                    <a:p>
+                      <a:r>
+                        <a:rPr lang="en-US" altLang="zh-TW" dirty="0" smtClean="0"/>
+                        <a:t>0.9937</a:t>
+                      </a:r>
+                      <a:endParaRPr lang="zh-TW" altLang="en-US" dirty="0"/>
+                    </a:p>
+                  </a:txBody>
+                  <a:tcPr/>
+                </a:tc>
+              </a:tr>
+              <a:tr h="370840">
+                <a:tc>
+                  <a:txBody>
+                    <a:bodyPr/>
+                    <a:lstStyle/>
+                    <a:p>
+                      <a:pPr marL="0" marR="0" indent="0" algn="l" defTabSz="914400" rtl="0" eaLnBrk="1" fontAlgn="auto" latinLnBrk="0" hangingPunct="1">
+                        <a:lnSpc>
+                          <a:spcPct val="100000"/>
+                        </a:lnSpc>
+                        <a:spcBef>
+                          <a:spcPts val="0"/>
+                        </a:spcBef>
+                        <a:spcAft>
+                          <a:spcPts val="0"/>
+                        </a:spcAft>
+                        <a:buClrTx/>
+                        <a:buSzTx/>
+                        <a:buFontTx/>
+                        <a:buNone/>
+                        <a:tabLst/>
+                        <a:defRPr/>
+                      </a:pPr>
+                      <a:r>
+                        <a:rPr lang="en-US" altLang="zh-TW" dirty="0" smtClean="0">
+                          <a:solidFill>
+                            <a:schemeClr val="bg1"/>
+                          </a:solidFill>
+                        </a:rPr>
+                        <a:t>Naïve</a:t>
+                      </a:r>
+                      <a:r>
+                        <a:rPr lang="en-US" altLang="zh-TW" baseline="0" dirty="0" smtClean="0">
+                          <a:solidFill>
+                            <a:schemeClr val="bg1"/>
+                          </a:solidFill>
+                        </a:rPr>
+                        <a:t> Bayes</a:t>
+                      </a:r>
+                      <a:endParaRPr lang="zh-TW" altLang="en-US" dirty="0" smtClean="0">
+                        <a:solidFill>
+                          <a:schemeClr val="bg1"/>
+                        </a:solidFill>
+                      </a:endParaRPr>
+                    </a:p>
+                  </a:txBody>
+                  <a:tcPr>
+                    <a:solidFill>
+                      <a:schemeClr val="accent2"/>
+                    </a:solidFill>
+                  </a:tcPr>
+                </a:tc>
+                <a:tc>
+                  <a:txBody>
+                    <a:bodyPr/>
+                    <a:lstStyle/>
+                    <a:p>
+                      <a:r>
+                        <a:rPr lang="en-US" altLang="zh-TW" dirty="0" smtClean="0"/>
+                        <a:t>0.8927</a:t>
+                      </a:r>
+                      <a:endParaRPr lang="zh-TW" altLang="en-US" dirty="0"/>
+                    </a:p>
+                  </a:txBody>
+                  <a:tcPr/>
+                </a:tc>
+                <a:tc>
+                  <a:txBody>
+                    <a:bodyPr/>
+                    <a:lstStyle/>
+                    <a:p>
+                      <a:pPr marL="0" marR="0" indent="0" algn="l" defTabSz="914400" rtl="0" eaLnBrk="1" fontAlgn="auto" latinLnBrk="0" hangingPunct="1">
+                        <a:lnSpc>
+                          <a:spcPct val="100000"/>
+                        </a:lnSpc>
+                        <a:spcBef>
+                          <a:spcPts val="0"/>
+                        </a:spcBef>
+                        <a:spcAft>
+                          <a:spcPts val="0"/>
+                        </a:spcAft>
+                        <a:buClrTx/>
+                        <a:buSzTx/>
+                        <a:buFontTx/>
+                        <a:buNone/>
+                        <a:tabLst/>
+                        <a:defRPr/>
+                      </a:pPr>
+                      <a:r>
+                        <a:rPr lang="en-US" altLang="zh-TW" dirty="0" smtClean="0">
+                          <a:solidFill>
+                            <a:schemeClr val="bg1"/>
+                          </a:solidFill>
+                        </a:rPr>
+                        <a:t>(with</a:t>
+                      </a:r>
+                      <a:r>
+                        <a:rPr lang="en-US" altLang="zh-TW" baseline="0" dirty="0" smtClean="0">
+                          <a:solidFill>
+                            <a:schemeClr val="bg1"/>
+                          </a:solidFill>
+                        </a:rPr>
+                        <a:t> </a:t>
+                      </a:r>
+                      <a:r>
+                        <a:rPr lang="en-US" altLang="zh-TW" sz="1800" kern="1200" dirty="0" smtClean="0">
+                          <a:solidFill>
+                            <a:schemeClr val="bg1"/>
+                          </a:solidFill>
+                          <a:effectLst/>
+                          <a:latin typeface="+mn-lt"/>
+                          <a:ea typeface="+mn-ea"/>
+                          <a:cs typeface="+mn-cs"/>
+                        </a:rPr>
+                        <a:t>cross-validation</a:t>
+                      </a:r>
+                      <a:r>
+                        <a:rPr lang="zh-TW" altLang="zh-TW" dirty="0" smtClean="0">
+                          <a:solidFill>
+                            <a:schemeClr val="bg1"/>
+                          </a:solidFill>
+                          <a:effectLst/>
+                        </a:rPr>
+                        <a:t> </a:t>
+                      </a:r>
+                      <a:r>
+                        <a:rPr lang="en-US" altLang="zh-TW" dirty="0" smtClean="0">
+                          <a:solidFill>
+                            <a:schemeClr val="bg1"/>
+                          </a:solidFill>
+                        </a:rPr>
+                        <a:t>)</a:t>
+                      </a:r>
+                      <a:endParaRPr lang="zh-TW" altLang="en-US" dirty="0" smtClean="0">
+                        <a:solidFill>
+                          <a:schemeClr val="bg1"/>
+                        </a:solidFill>
+                      </a:endParaRPr>
+                    </a:p>
+                  </a:txBody>
+                  <a:tcPr>
+                    <a:solidFill>
+                      <a:schemeClr val="accent2"/>
+                    </a:solidFill>
+                  </a:tcPr>
+                </a:tc>
+                <a:tc>
+                  <a:txBody>
+                    <a:bodyPr/>
+                    <a:lstStyle/>
+                    <a:p>
+                      <a:r>
+                        <a:rPr lang="en-US" altLang="zh-TW" dirty="0" smtClean="0"/>
+                        <a:t>0.8959</a:t>
+                      </a:r>
+                      <a:endParaRPr lang="zh-TW" altLang="en-US" dirty="0"/>
+                    </a:p>
+                  </a:txBody>
+                  <a:tcPr/>
+                </a:tc>
+              </a:tr>
+              <a:tr h="370840">
+                <a:tc>
+                  <a:txBody>
+                    <a:bodyPr/>
+                    <a:lstStyle/>
+                    <a:p>
+                      <a:r>
+                        <a:rPr lang="en-US" altLang="zh-TW" dirty="0" smtClean="0">
+                          <a:solidFill>
+                            <a:schemeClr val="bg1"/>
+                          </a:solidFill>
+                        </a:rPr>
+                        <a:t>KNN</a:t>
+                      </a:r>
+                      <a:endParaRPr lang="zh-TW" altLang="en-US" dirty="0">
+                        <a:solidFill>
+                          <a:schemeClr val="bg1"/>
+                        </a:solidFill>
+                      </a:endParaRPr>
+                    </a:p>
+                  </a:txBody>
+                  <a:tcPr>
+                    <a:solidFill>
+                      <a:schemeClr val="accent2"/>
+                    </a:solidFill>
+                  </a:tcPr>
+                </a:tc>
+                <a:tc>
+                  <a:txBody>
+                    <a:bodyPr/>
+                    <a:lstStyle/>
+                    <a:p>
+                      <a:r>
+                        <a:rPr lang="en-US" altLang="zh-TW" dirty="0" smtClean="0"/>
+                        <a:t>0.7066</a:t>
+                      </a:r>
+                      <a:endParaRPr lang="zh-TW" altLang="en-US" dirty="0"/>
+                    </a:p>
+                  </a:txBody>
+                  <a:tcPr/>
+                </a:tc>
+                <a:tc>
+                  <a:txBody>
+                    <a:bodyPr/>
+                    <a:lstStyle/>
+                    <a:p>
+                      <a:pPr marL="0" marR="0" indent="0" algn="l" defTabSz="914400" rtl="0" eaLnBrk="1" fontAlgn="auto" latinLnBrk="0" hangingPunct="1">
+                        <a:lnSpc>
+                          <a:spcPct val="100000"/>
+                        </a:lnSpc>
+                        <a:spcBef>
+                          <a:spcPts val="0"/>
+                        </a:spcBef>
+                        <a:spcAft>
+                          <a:spcPts val="0"/>
+                        </a:spcAft>
+                        <a:buClrTx/>
+                        <a:buSzTx/>
+                        <a:buFontTx/>
+                        <a:buNone/>
+                        <a:tabLst/>
+                        <a:defRPr/>
+                      </a:pPr>
+                      <a:r>
+                        <a:rPr lang="en-US" altLang="zh-TW" dirty="0" smtClean="0">
+                          <a:solidFill>
+                            <a:schemeClr val="bg1"/>
+                          </a:solidFill>
+                        </a:rPr>
+                        <a:t>(with</a:t>
+                      </a:r>
+                      <a:r>
+                        <a:rPr lang="en-US" altLang="zh-TW" baseline="0" dirty="0" smtClean="0">
+                          <a:solidFill>
+                            <a:schemeClr val="bg1"/>
+                          </a:solidFill>
+                        </a:rPr>
+                        <a:t> </a:t>
+                      </a:r>
+                      <a:r>
+                        <a:rPr lang="en-US" altLang="zh-TW" sz="1800" kern="1200" dirty="0" smtClean="0">
+                          <a:solidFill>
+                            <a:schemeClr val="bg1"/>
+                          </a:solidFill>
+                          <a:effectLst/>
+                          <a:latin typeface="+mn-lt"/>
+                          <a:ea typeface="+mn-ea"/>
+                          <a:cs typeface="+mn-cs"/>
+                        </a:rPr>
+                        <a:t>cross-validation</a:t>
+                      </a:r>
+                      <a:r>
+                        <a:rPr lang="zh-TW" altLang="zh-TW" dirty="0" smtClean="0">
+                          <a:solidFill>
+                            <a:schemeClr val="bg1"/>
+                          </a:solidFill>
+                          <a:effectLst/>
+                        </a:rPr>
+                        <a:t> </a:t>
+                      </a:r>
+                      <a:r>
+                        <a:rPr lang="en-US" altLang="zh-TW" dirty="0" smtClean="0">
+                          <a:solidFill>
+                            <a:schemeClr val="bg1"/>
+                          </a:solidFill>
+                        </a:rPr>
+                        <a:t>)</a:t>
+                      </a:r>
+                      <a:endParaRPr lang="zh-TW" altLang="en-US" dirty="0" smtClean="0">
+                        <a:solidFill>
+                          <a:schemeClr val="bg1"/>
+                        </a:solidFill>
+                      </a:endParaRPr>
+                    </a:p>
+                  </a:txBody>
+                  <a:tcPr>
+                    <a:solidFill>
+                      <a:schemeClr val="accent2"/>
+                    </a:solidFill>
+                  </a:tcPr>
+                </a:tc>
+                <a:tc>
+                  <a:txBody>
+                    <a:bodyPr/>
+                    <a:lstStyle/>
+                    <a:p>
+                      <a:r>
+                        <a:rPr lang="en-US" altLang="zh-TW" dirty="0" smtClean="0"/>
+                        <a:t>0.7445</a:t>
+                      </a:r>
+                      <a:endParaRPr lang="zh-TW" altLang="en-US" dirty="0"/>
+                    </a:p>
+                  </a:txBody>
+                  <a:tcPr/>
+                </a:tc>
+              </a:tr>
+            </a:tbl>
+          </a:graphicData>
+        </a:graphic>
+      </p:graphicFrame>
+    </p:spTree>
+    <p:extLst>
+      <p:ext uri="{BB962C8B-B14F-4D97-AF65-F5344CB8AC3E}">
+        <p14:creationId xmlns:p14="http://schemas.microsoft.com/office/powerpoint/2010/main" val="951718493"/>
+      </p:ext>
+    </p:extLst>
+  </p:cSld>
+  <p:clrMapOvr>
+    <a:masterClrMapping/>
+  </p:clrMapOvr>
+</p:sld>
+</file>
+
+<file path=ppt/slides/slide15.xml><?xml version="1.0" encoding="utf-8"?>
+<p:sld xmlns:a="http://schemas.openxmlformats.org/drawingml/2006/main" xmlns:r="http://schemas.openxmlformats.org/officeDocument/2006/relationships" xmlns:p="http://schemas.openxmlformats.org/presentationml/2006/main">
+  <p:cSld>
+    <p:spTree>
+      <p:nvGrpSpPr>
+        <p:cNvPr id="1" name=""/>
+        <p:cNvGrpSpPr/>
+        <p:nvPr/>
+      </p:nvGrpSpPr>
+      <p:grpSpPr>
+        <a:xfrm>
+          <a:off x="0" y="0"/>
+          <a:ext cx="0" cy="0"/>
+          <a:chOff x="0" y="0"/>
+          <a:chExt cx="0" cy="0"/>
+        </a:xfrm>
+      </p:grpSpPr>
+      <p:sp>
+        <p:nvSpPr>
+          <p:cNvPr id="2" name="標題 1"/>
+          <p:cNvSpPr>
+            <a:spLocks noGrp="1"/>
+          </p:cNvSpPr>
+          <p:nvPr>
+            <p:ph type="title"/>
+          </p:nvPr>
+        </p:nvSpPr>
+        <p:spPr/>
+        <p:txBody>
+          <a:bodyPr/>
+          <a:lstStyle/>
+          <a:p>
+            <a:r>
+              <a:rPr kumimoji="1" lang="en-US" altLang="zh-TW" dirty="0"/>
+              <a:t>C</a:t>
+            </a:r>
+            <a:r>
+              <a:rPr kumimoji="1" lang="en-US" altLang="zh-TW" dirty="0" smtClean="0"/>
+              <a:t>hallenge</a:t>
+            </a:r>
+            <a:endParaRPr kumimoji="1" lang="zh-TW" altLang="en-US" dirty="0"/>
+          </a:p>
+        </p:txBody>
+      </p:sp>
+      <p:sp>
+        <p:nvSpPr>
+          <p:cNvPr id="3" name="內容版面配置區 2"/>
+          <p:cNvSpPr>
+            <a:spLocks noGrp="1"/>
+          </p:cNvSpPr>
+          <p:nvPr>
+            <p:ph idx="1"/>
+          </p:nvPr>
+        </p:nvSpPr>
+        <p:spPr/>
+        <p:txBody>
+          <a:bodyPr>
+            <a:normAutofit/>
+          </a:bodyPr>
+          <a:lstStyle/>
+          <a:p>
+            <a:pPr>
+              <a:buFont typeface="Wingdings" charset="2"/>
+              <a:buChar char="l"/>
+            </a:pPr>
+            <a:r>
+              <a:rPr kumimoji="1" lang="en-US" altLang="zh-TW" sz="3000" dirty="0" smtClean="0"/>
+              <a:t> Reasons of high Accuracy:  </a:t>
+            </a:r>
+          </a:p>
+          <a:p>
+            <a:pPr lvl="2">
+              <a:buFont typeface="Wingdings" charset="2"/>
+              <a:buChar char="l"/>
+            </a:pPr>
+            <a:r>
+              <a:rPr kumimoji="1" lang="en-US" altLang="zh-TW" sz="2500" dirty="0" smtClean="0"/>
+              <a:t> Numerical features</a:t>
+            </a:r>
+          </a:p>
+          <a:p>
+            <a:pPr lvl="2">
+              <a:buFont typeface="Wingdings" charset="2"/>
+              <a:buChar char="l"/>
+            </a:pPr>
+            <a:r>
+              <a:rPr kumimoji="1" lang="en-US" altLang="zh-TW" sz="2500" dirty="0" smtClean="0"/>
+              <a:t> Balanced </a:t>
+            </a:r>
+            <a:r>
+              <a:rPr lang="en-US" altLang="zh-TW" sz="2500" dirty="0"/>
+              <a:t>classification</a:t>
+            </a:r>
+            <a:r>
+              <a:rPr lang="zh-TW" altLang="zh-TW" sz="2500" dirty="0"/>
+              <a:t> </a:t>
+            </a:r>
+            <a:endParaRPr lang="en-US" altLang="zh-TW" sz="2500" dirty="0" smtClean="0"/>
+          </a:p>
+          <a:p>
+            <a:pPr lvl="2">
+              <a:buFont typeface="Wingdings" charset="2"/>
+              <a:buChar char="l"/>
+            </a:pPr>
+            <a:r>
+              <a:rPr kumimoji="1" lang="en-US" altLang="zh-TW" sz="2500" dirty="0"/>
+              <a:t> </a:t>
+            </a:r>
+            <a:r>
+              <a:rPr kumimoji="1" lang="en-US" altLang="zh-TW" sz="2500" dirty="0" smtClean="0"/>
+              <a:t>Small dataset (</a:t>
+            </a:r>
+            <a:r>
+              <a:rPr kumimoji="1" lang="en-US" altLang="zh-TW" sz="2500" dirty="0" err="1" smtClean="0"/>
+              <a:t>traindata</a:t>
+            </a:r>
+            <a:r>
+              <a:rPr kumimoji="1" lang="en-US" altLang="zh-TW" sz="2500" dirty="0" smtClean="0"/>
+              <a:t>)</a:t>
+            </a:r>
+          </a:p>
+          <a:p>
+            <a:pPr lvl="2">
+              <a:buFont typeface="Wingdings" charset="2"/>
+              <a:buChar char="l"/>
+            </a:pPr>
+            <a:endParaRPr kumimoji="1" lang="en-US" altLang="zh-TW" sz="2500" dirty="0" smtClean="0"/>
+          </a:p>
+        </p:txBody>
+      </p:sp>
+      <p:graphicFrame>
+        <p:nvGraphicFramePr>
+          <p:cNvPr id="4" name="表格 3"/>
+          <p:cNvGraphicFramePr>
+            <a:graphicFrameLocks noGrp="1"/>
+          </p:cNvGraphicFramePr>
+          <p:nvPr>
+            <p:extLst>
+              <p:ext uri="{D42A27DB-BD31-4B8C-83A1-F6EECF244321}">
+                <p14:modId xmlns:p14="http://schemas.microsoft.com/office/powerpoint/2010/main" val="1837582751"/>
+              </p:ext>
+            </p:extLst>
+          </p:nvPr>
+        </p:nvGraphicFramePr>
+        <p:xfrm>
+          <a:off x="2062480" y="3752428"/>
+          <a:ext cx="8128000" cy="2225040"/>
+        </p:xfrm>
+        <a:graphic>
+          <a:graphicData uri="http://schemas.openxmlformats.org/drawingml/2006/table">
+            <a:tbl>
+              <a:tblPr firstRow="1" bandRow="1">
+                <a:tableStyleId>{5C22544A-7EE6-4342-B048-85BDC9FD1C3A}</a:tableStyleId>
+              </a:tblPr>
+              <a:tblGrid>
+                <a:gridCol w="4064000"/>
+                <a:gridCol w="4064000"/>
+              </a:tblGrid>
+              <a:tr h="370840">
+                <a:tc>
+                  <a:txBody>
+                    <a:bodyPr/>
+                    <a:lstStyle/>
+                    <a:p>
+                      <a:r>
+                        <a:rPr lang="en-US" altLang="zh-TW" dirty="0" smtClean="0"/>
+                        <a:t>folds</a:t>
+                      </a:r>
+                      <a:endParaRPr lang="zh-TW" altLang="en-US" dirty="0"/>
+                    </a:p>
+                  </a:txBody>
+                  <a:tcPr/>
+                </a:tc>
+                <a:tc>
+                  <a:txBody>
+                    <a:bodyPr/>
+                    <a:lstStyle/>
+                    <a:p>
+                      <a:r>
+                        <a:rPr lang="en-US" altLang="zh-TW" dirty="0" smtClean="0"/>
+                        <a:t>accuracy</a:t>
+                      </a:r>
+                      <a:endParaRPr lang="zh-TW" altLang="en-US" dirty="0"/>
+                    </a:p>
+                  </a:txBody>
+                  <a:tcPr/>
+                </a:tc>
+              </a:tr>
+              <a:tr h="370840">
+                <a:tc>
+                  <a:txBody>
+                    <a:bodyPr/>
+                    <a:lstStyle/>
+                    <a:p>
+                      <a:r>
+                        <a:rPr lang="en-US" altLang="zh-TW" dirty="0" smtClean="0"/>
+                        <a:t>3</a:t>
+                      </a:r>
+                      <a:endParaRPr lang="zh-TW" altLang="en-US" dirty="0"/>
+                    </a:p>
+                  </a:txBody>
+                  <a:tcPr/>
+                </a:tc>
+                <a:tc>
+                  <a:txBody>
+                    <a:bodyPr/>
+                    <a:lstStyle/>
+                    <a:p>
+                      <a:r>
+                        <a:rPr lang="en-US" altLang="zh-TW" dirty="0" smtClean="0"/>
+                        <a:t>0.9867</a:t>
+                      </a:r>
+                      <a:endParaRPr lang="zh-TW" altLang="en-US" dirty="0"/>
+                    </a:p>
+                  </a:txBody>
+                  <a:tcPr/>
+                </a:tc>
+              </a:tr>
+              <a:tr h="370840">
+                <a:tc>
+                  <a:txBody>
+                    <a:bodyPr/>
+                    <a:lstStyle/>
+                    <a:p>
+                      <a:r>
+                        <a:rPr lang="en-US" altLang="zh-TW" dirty="0" smtClean="0"/>
+                        <a:t>5</a:t>
+                      </a:r>
+                      <a:endParaRPr lang="zh-TW" altLang="en-US" dirty="0"/>
+                    </a:p>
+                  </a:txBody>
+                  <a:tcPr/>
+                </a:tc>
+                <a:tc>
+                  <a:txBody>
+                    <a:bodyPr/>
+                    <a:lstStyle/>
+                    <a:p>
+                      <a:r>
+                        <a:rPr lang="en-US" altLang="zh-TW" dirty="0" smtClean="0"/>
+                        <a:t>0.9826</a:t>
+                      </a:r>
+                      <a:endParaRPr lang="zh-TW" altLang="en-US" dirty="0"/>
+                    </a:p>
+                  </a:txBody>
+                  <a:tcPr/>
+                </a:tc>
+              </a:tr>
+              <a:tr h="370840">
+                <a:tc>
+                  <a:txBody>
+                    <a:bodyPr/>
+                    <a:lstStyle/>
+                    <a:p>
+                      <a:r>
+                        <a:rPr lang="en-US" altLang="zh-TW" dirty="0" smtClean="0"/>
+                        <a:t>7</a:t>
+                      </a:r>
+                      <a:endParaRPr lang="zh-TW" altLang="en-US" dirty="0"/>
+                    </a:p>
+                  </a:txBody>
+                  <a:tcPr/>
+                </a:tc>
+                <a:tc>
+                  <a:txBody>
+                    <a:bodyPr/>
+                    <a:lstStyle/>
+                    <a:p>
+                      <a:r>
+                        <a:rPr lang="en-US" altLang="zh-TW" dirty="0" smtClean="0"/>
+                        <a:t>0.9845</a:t>
+                      </a:r>
+                      <a:endParaRPr lang="zh-TW" altLang="en-US" dirty="0"/>
+                    </a:p>
+                  </a:txBody>
+                  <a:tcPr/>
+                </a:tc>
+              </a:tr>
+              <a:tr h="370840">
+                <a:tc>
+                  <a:txBody>
+                    <a:bodyPr/>
+                    <a:lstStyle/>
+                    <a:p>
+                      <a:r>
+                        <a:rPr lang="en-US" altLang="zh-TW" dirty="0" smtClean="0"/>
+                        <a:t>9</a:t>
+                      </a:r>
+                      <a:endParaRPr lang="zh-TW" altLang="en-US" dirty="0"/>
+                    </a:p>
+                  </a:txBody>
+                  <a:tcPr/>
+                </a:tc>
+                <a:tc>
+                  <a:txBody>
+                    <a:bodyPr/>
+                    <a:lstStyle/>
+                    <a:p>
+                      <a:r>
+                        <a:rPr lang="en-US" altLang="zh-TW" dirty="0" smtClean="0"/>
+                        <a:t>0.9844</a:t>
+                      </a:r>
+                      <a:endParaRPr lang="zh-TW" altLang="en-US" dirty="0"/>
+                    </a:p>
+                  </a:txBody>
+                  <a:tcPr/>
+                </a:tc>
+              </a:tr>
+              <a:tr h="370840">
+                <a:tc>
+                  <a:txBody>
+                    <a:bodyPr/>
+                    <a:lstStyle/>
+                    <a:p>
+                      <a:r>
+                        <a:rPr lang="en-US" altLang="zh-TW" dirty="0" smtClean="0"/>
+                        <a:t>10</a:t>
+                      </a:r>
+                      <a:endParaRPr lang="zh-TW" altLang="en-US" dirty="0"/>
+                    </a:p>
+                  </a:txBody>
+                  <a:tcPr/>
+                </a:tc>
+                <a:tc>
+                  <a:txBody>
+                    <a:bodyPr/>
+                    <a:lstStyle/>
+                    <a:p>
+                      <a:r>
+                        <a:rPr lang="en-US" altLang="zh-TW" dirty="0" smtClean="0"/>
+                        <a:t>1.0</a:t>
+                      </a:r>
+                      <a:endParaRPr lang="zh-TW" altLang="en-US" dirty="0"/>
+                    </a:p>
+                  </a:txBody>
+                  <a:tcPr/>
+                </a:tc>
+              </a:tr>
+            </a:tbl>
+          </a:graphicData>
+        </a:graphic>
+      </p:graphicFrame>
     </p:spTree>
     <p:extLst>
       <p:ext uri="{BB962C8B-B14F-4D97-AF65-F5344CB8AC3E}">
@@ -4531,7 +7943,7 @@
 </p:sld>
 </file>
 
-<file path=ppt/slides/slide12.xml><?xml version="1.0" encoding="utf-8"?>
+<file path=ppt/slides/slide16.xml><?xml version="1.0" encoding="utf-8"?>
 <p:sld xmlns:a="http://schemas.openxmlformats.org/drawingml/2006/main" xmlns:r="http://schemas.openxmlformats.org/officeDocument/2006/relationships" xmlns:p="http://schemas.openxmlformats.org/presentationml/2006/main">
   <p:cSld>
     <p:spTree>
@@ -4739,7 +8151,7 @@
           <a:p>
             <a:r>
               <a:rPr kumimoji="1" lang="en-US" altLang="zh-TW" dirty="0" smtClean="0"/>
-              <a:t>Preprocessing</a:t>
+              <a:t>Data</a:t>
             </a:r>
             <a:endParaRPr kumimoji="1" lang="zh-TW" altLang="en-US" dirty="0"/>
           </a:p>
@@ -4757,17 +8169,84 @@
         </p:nvSpPr>
         <p:spPr/>
         <p:txBody>
-          <a:bodyPr/>
+          <a:bodyPr>
+            <a:normAutofit/>
+          </a:bodyPr>
           <a:lstStyle/>
           <a:p>
-            <a:endParaRPr kumimoji="1" lang="zh-TW" altLang="en-US" dirty="0"/>
+            <a:pPr>
+              <a:buFont typeface="Wingdings" charset="2"/>
+              <a:buChar char="l"/>
+            </a:pPr>
+            <a:r>
+              <a:rPr kumimoji="1" lang="en-US" altLang="zh-TW" sz="3000" dirty="0" smtClean="0"/>
+              <a:t> Input format: .csv</a:t>
+            </a:r>
+          </a:p>
+          <a:p>
+            <a:pPr>
+              <a:buFont typeface="Wingdings" charset="2"/>
+              <a:buChar char="l"/>
+            </a:pPr>
+            <a:r>
+              <a:rPr kumimoji="1" lang="en-US" altLang="zh-TW" sz="3000" dirty="0" smtClean="0"/>
+              <a:t> 20 </a:t>
+            </a:r>
+            <a:r>
+              <a:rPr kumimoji="1" lang="en-US" altLang="zh-TW" sz="3000" dirty="0"/>
+              <a:t>columns </a:t>
+            </a:r>
+            <a:r>
+              <a:rPr kumimoji="1" lang="en-US" altLang="zh-TW" sz="3000" dirty="0" smtClean="0"/>
+              <a:t>features</a:t>
+            </a:r>
+            <a:endParaRPr kumimoji="1" lang="en-US" altLang="zh-TW" sz="3000" dirty="0" smtClean="0"/>
+          </a:p>
+          <a:p>
+            <a:pPr>
+              <a:buFont typeface="Wingdings" charset="2"/>
+              <a:buChar char="l"/>
+            </a:pPr>
+            <a:r>
+              <a:rPr kumimoji="1" lang="en-US" altLang="zh-TW" sz="3000" dirty="0" smtClean="0"/>
+              <a:t> 3168 </a:t>
+            </a:r>
+            <a:r>
+              <a:rPr kumimoji="1" lang="en-US" altLang="zh-TW" sz="3000" dirty="0" err="1" smtClean="0"/>
+              <a:t>datas</a:t>
+            </a:r>
+            <a:endParaRPr kumimoji="1" lang="en-US" altLang="zh-TW" sz="3000" dirty="0" smtClean="0"/>
+          </a:p>
+          <a:p>
+            <a:pPr>
+              <a:buFont typeface="Wingdings" charset="2"/>
+              <a:buChar char="l"/>
+            </a:pPr>
+            <a:r>
+              <a:rPr kumimoji="1" lang="en-US" altLang="zh-TW" sz="3000" dirty="0" smtClean="0"/>
+              <a:t> Male : Female</a:t>
+            </a:r>
+          </a:p>
+          <a:p>
+            <a:pPr lvl="1">
+              <a:buFont typeface="Wingdings" charset="2"/>
+              <a:buChar char="l"/>
+            </a:pPr>
+            <a:r>
+              <a:rPr kumimoji="1" lang="en-US" altLang="zh-TW" sz="3000" dirty="0"/>
+              <a:t> </a:t>
+            </a:r>
+            <a:r>
+              <a:rPr kumimoji="1" lang="en-US" altLang="zh-TW" sz="2500" dirty="0" smtClean="0"/>
+              <a:t>1584 : 1584 =  1 : 1</a:t>
+            </a:r>
           </a:p>
         </p:txBody>
       </p:sp>
     </p:spTree>
     <p:extLst>
       <p:ext uri="{BB962C8B-B14F-4D97-AF65-F5344CB8AC3E}">
-        <p14:creationId xmlns:p14="http://schemas.microsoft.com/office/powerpoint/2010/main" val="124579780"/>
+        <p14:creationId xmlns:p14="http://schemas.microsoft.com/office/powerpoint/2010/main" val="215421923"/>
       </p:ext>
     </p:extLst>
   </p:cSld>
@@ -4811,7 +8290,7 @@
           <a:p>
             <a:r>
               <a:rPr kumimoji="1" lang="en-US" altLang="zh-TW" dirty="0" smtClean="0"/>
-              <a:t>Data</a:t>
+              <a:t>Cross-validation</a:t>
             </a:r>
             <a:endParaRPr kumimoji="1" lang="zh-TW" altLang="en-US" dirty="0"/>
           </a:p>
@@ -4839,8 +8318,8 @@
               <a:buChar char="l"/>
             </a:pPr>
             <a:r>
-              <a:rPr kumimoji="1" lang="en-US" altLang="zh-TW" sz="2500" dirty="0" smtClean="0"/>
-              <a:t> Input format: .csv</a:t>
+              <a:rPr kumimoji="1" lang="en-US" altLang="zh-TW" sz="3000" dirty="0" smtClean="0"/>
+              <a:t> 10 folds </a:t>
             </a:r>
           </a:p>
           <a:p>
@@ -4849,16 +8328,22 @@
               <a:buChar char="l"/>
             </a:pPr>
             <a:r>
+              <a:rPr kumimoji="1" lang="en-US" altLang="zh-TW" sz="3000" dirty="0"/>
+              <a:t> </a:t>
+            </a:r>
+            <a:r>
+              <a:rPr kumimoji="1" lang="en-US" altLang="zh-TW" sz="3000" dirty="0" smtClean="0"/>
+              <a:t>training : testing </a:t>
+            </a:r>
+          </a:p>
+          <a:p>
+            <a:pPr lvl="1">
+              <a:buFont typeface="Wingdings" charset="2"/>
+              <a:buChar char="l"/>
+            </a:pPr>
+            <a:r>
               <a:rPr kumimoji="1" lang="en-US" altLang="zh-TW" sz="2500" dirty="0" smtClean="0"/>
-              <a:t> 20 </a:t>
-            </a:r>
-            <a:r>
-              <a:rPr kumimoji="1" lang="en-US" altLang="zh-TW" sz="2500" dirty="0"/>
-              <a:t>columns </a:t>
-            </a:r>
-            <a:r>
-              <a:rPr kumimoji="1" lang="en-US" altLang="zh-TW" sz="2500" dirty="0" smtClean="0"/>
-              <a:t>Numerical features</a:t>
+              <a:t>= 9 : 1</a:t>
             </a:r>
           </a:p>
           <a:p>
@@ -4867,37 +8352,8 @@
               <a:buChar char="l"/>
             </a:pPr>
             <a:r>
-              <a:rPr kumimoji="1" lang="en-US" altLang="zh-TW" sz="2500" dirty="0" smtClean="0"/>
-              <a:t> 3168 </a:t>
-            </a:r>
-            <a:r>
-              <a:rPr kumimoji="1" lang="en-US" altLang="zh-TW" sz="2500" dirty="0" err="1" smtClean="0"/>
-              <a:t>datas</a:t>
-            </a:r>
-            <a:endParaRPr kumimoji="1" lang="en-US" altLang="zh-TW" sz="2500" dirty="0" smtClean="0"/>
-          </a:p>
-          <a:p>
-            <a:pPr>
-              <a:buFont typeface="Wingdings" charset="2"/>
-              <a:buChar char="l"/>
-            </a:pPr>
-            <a:r>
-              <a:rPr kumimoji="1" lang="en-US" altLang="zh-TW" sz="2500" dirty="0" smtClean="0"/>
-              <a:t> Male : Female</a:t>
-            </a:r>
-          </a:p>
-          <a:p>
-            <a:pPr lvl="1">
-              <a:buFont typeface="Wingdings" charset="2"/>
-              <a:buChar char="l"/>
-            </a:pPr>
-            <a:r>
-              <a:rPr kumimoji="1" lang="en-US" altLang="zh-TW" sz="2300" dirty="0"/>
-              <a:t> </a:t>
-            </a:r>
-            <a:r>
-              <a:rPr kumimoji="1" lang="en-US" altLang="zh-TW" sz="2300" dirty="0" smtClean="0"/>
-              <a:t>1584 : 1584 =  1 : 1</a:t>
+              <a:rPr kumimoji="1" lang="en-US" altLang="zh-TW" sz="3000" dirty="0" smtClean="0"/>
+              <a:t> use folds[3] for test data in seed(1111)</a:t>
             </a:r>
           </a:p>
         </p:txBody>
@@ -4905,7 +8361,7 @@
     </p:spTree>
     <p:extLst>
       <p:ext uri="{BB962C8B-B14F-4D97-AF65-F5344CB8AC3E}">
-        <p14:creationId xmlns:p14="http://schemas.microsoft.com/office/powerpoint/2010/main" val="215421923"/>
+        <p14:creationId xmlns:p14="http://schemas.microsoft.com/office/powerpoint/2010/main" val="395165192"/>
       </p:ext>
     </p:extLst>
   </p:cSld>
@@ -4949,76 +8405,176 @@
           <a:p>
             <a:r>
               <a:rPr kumimoji="1" lang="en-US" altLang="zh-TW" dirty="0" smtClean="0"/>
-              <a:t>Cross-validation</a:t>
+              <a:t>Extra </a:t>
+            </a:r>
+            <a:r>
+              <a:rPr kumimoji="1" lang="en-US" altLang="zh-TW" dirty="0"/>
+              <a:t>separated </a:t>
+            </a:r>
+            <a:r>
+              <a:rPr kumimoji="1" lang="en-US" altLang="zh-TW" dirty="0" smtClean="0"/>
+              <a:t>data (</a:t>
+            </a:r>
+            <a:r>
+              <a:rPr kumimoji="1" lang="en-US" altLang="zh-TW" dirty="0" err="1" smtClean="0"/>
+              <a:t>dession</a:t>
+            </a:r>
+            <a:r>
+              <a:rPr kumimoji="1" lang="en-US" altLang="zh-TW" dirty="0" smtClean="0"/>
+              <a:t> tree)</a:t>
             </a:r>
             <a:endParaRPr kumimoji="1" lang="zh-TW" altLang="en-US" dirty="0"/>
           </a:p>
         </p:txBody>
       </p:sp>
-      <p:sp>
-        <p:nvSpPr>
-          <p:cNvPr id="3" name="內容版面配置區 2"/>
-          <p:cNvSpPr>
-            <a:spLocks noGrp="1"/>
-          </p:cNvSpPr>
+      <p:pic>
+        <p:nvPicPr>
+          <p:cNvPr id="4" name="內容版面配置區 3"/>
+          <p:cNvPicPr>
+            <a:picLocks noGrp="1" noChangeAspect="1"/>
+          </p:cNvPicPr>
           <p:nvPr>
             <p:ph idx="1"/>
           </p:nvPr>
-        </p:nvSpPr>
-        <p:spPr/>
-        <p:txBody>
-          <a:bodyPr/>
-          <a:lstStyle/>
-          <a:p>
-            <a:pPr>
-              <a:buFont typeface="Wingdings" charset="2"/>
-              <a:buChar char="l"/>
-            </a:pPr>
-            <a:r>
-              <a:rPr kumimoji="1" lang="en-US" altLang="zh-TW" sz="2500" dirty="0" smtClean="0"/>
-              <a:t> 10 folds </a:t>
-            </a:r>
-          </a:p>
-          <a:p>
-            <a:pPr>
-              <a:buFont typeface="Wingdings" charset="2"/>
-              <a:buChar char="l"/>
-            </a:pPr>
-            <a:r>
-              <a:rPr kumimoji="1" lang="en-US" altLang="zh-TW" sz="2500" dirty="0"/>
-              <a:t> </a:t>
-            </a:r>
-            <a:r>
-              <a:rPr kumimoji="1" lang="en-US" altLang="zh-TW" sz="2500" dirty="0" smtClean="0"/>
-              <a:t>training : testing </a:t>
-            </a:r>
-          </a:p>
-          <a:p>
-            <a:pPr lvl="1">
-              <a:buFont typeface="Wingdings" charset="2"/>
-              <a:buChar char="l"/>
-            </a:pPr>
-            <a:r>
-              <a:rPr kumimoji="1" lang="en-US" altLang="zh-TW" sz="2300" dirty="0" smtClean="0"/>
-              <a:t>= 9 : 1</a:t>
-            </a:r>
-          </a:p>
-          <a:p>
-            <a:pPr>
-              <a:buFont typeface="Wingdings" charset="2"/>
-              <a:buChar char="l"/>
-            </a:pPr>
-            <a:r>
-              <a:rPr kumimoji="1" lang="en-US" altLang="zh-TW" sz="2500" dirty="0" smtClean="0"/>
-              <a:t> use folds[3] for test data in seed(1111)</a:t>
-            </a:r>
-          </a:p>
-        </p:txBody>
-      </p:sp>
+        </p:nvPicPr>
+        <p:blipFill rotWithShape="1">
+          <a:blip r:embed="rId2">
+            <a:extLst>
+              <a:ext uri="{28A0092B-C50C-407E-A947-70E740481C1C}">
+                <a14:useLocalDpi xmlns:a14="http://schemas.microsoft.com/office/drawing/2010/main" val="0"/>
+              </a:ext>
+            </a:extLst>
+          </a:blip>
+          <a:srcRect t="2918"/>
+          <a:stretch/>
+        </p:blipFill>
+        <p:spPr>
+          <a:xfrm>
+            <a:off x="1204536" y="1762074"/>
+            <a:ext cx="6419583" cy="4560646"/>
+          </a:xfrm>
+        </p:spPr>
+      </p:pic>
+      <p:graphicFrame>
+        <p:nvGraphicFramePr>
+          <p:cNvPr id="5" name="表格 4"/>
+          <p:cNvGraphicFramePr>
+            <a:graphicFrameLocks noGrp="1"/>
+          </p:cNvGraphicFramePr>
+          <p:nvPr>
+            <p:extLst>
+              <p:ext uri="{D42A27DB-BD31-4B8C-83A1-F6EECF244321}">
+                <p14:modId xmlns:p14="http://schemas.microsoft.com/office/powerpoint/2010/main" val="2080998742"/>
+              </p:ext>
+            </p:extLst>
+          </p:nvPr>
+        </p:nvGraphicFramePr>
+        <p:xfrm>
+          <a:off x="7760042" y="2471351"/>
+          <a:ext cx="3321496" cy="2224216"/>
+        </p:xfrm>
+        <a:graphic>
+          <a:graphicData uri="http://schemas.openxmlformats.org/drawingml/2006/table">
+            <a:tbl>
+              <a:tblPr firstRow="1" bandRow="1">
+                <a:tableStyleId>{69CF1AB2-1976-4502-BF36-3FF5EA218861}</a:tableStyleId>
+              </a:tblPr>
+              <a:tblGrid>
+                <a:gridCol w="3321496"/>
+              </a:tblGrid>
+              <a:tr h="437336">
+                <a:tc>
+                  <a:txBody>
+                    <a:bodyPr/>
+                    <a:lstStyle/>
+                    <a:p>
+                      <a:pPr algn="ctr"/>
+                      <a:r>
+                        <a:rPr lang="en-US" altLang="zh-TW" b="0" dirty="0" err="1" smtClean="0"/>
+                        <a:t>meanful</a:t>
+                      </a:r>
+                      <a:endParaRPr lang="zh-TW" altLang="en-US" b="0" dirty="0"/>
+                    </a:p>
+                  </a:txBody>
+                  <a:tcPr/>
+                </a:tc>
+              </a:tr>
+              <a:tr h="446720">
+                <a:tc>
+                  <a:txBody>
+                    <a:bodyPr/>
+                    <a:lstStyle/>
+                    <a:p>
+                      <a:pPr algn="ctr"/>
+                      <a:r>
+                        <a:rPr lang="en-US" altLang="zh-TW" b="0" dirty="0" smtClean="0"/>
+                        <a:t>IQR</a:t>
+                      </a:r>
+                      <a:endParaRPr lang="zh-TW" altLang="en-US" b="0" dirty="0"/>
+                    </a:p>
+                  </a:txBody>
+                  <a:tcPr/>
+                </a:tc>
+              </a:tr>
+              <a:tr h="446720">
+                <a:tc>
+                  <a:txBody>
+                    <a:bodyPr/>
+                    <a:lstStyle/>
+                    <a:p>
+                      <a:pPr algn="ctr"/>
+                      <a:r>
+                        <a:rPr lang="en-US" altLang="zh-TW" b="0" dirty="0" err="1" smtClean="0"/>
+                        <a:t>minfun</a:t>
+                      </a:r>
+                      <a:endParaRPr lang="zh-TW" altLang="en-US" b="0" dirty="0"/>
+                    </a:p>
+                  </a:txBody>
+                  <a:tcPr/>
+                </a:tc>
+              </a:tr>
+              <a:tr h="446720">
+                <a:tc>
+                  <a:txBody>
+                    <a:bodyPr/>
+                    <a:lstStyle/>
+                    <a:p>
+                      <a:pPr algn="ctr"/>
+                      <a:r>
+                        <a:rPr lang="en-US" altLang="zh-TW" b="0" dirty="0" err="1" smtClean="0"/>
+                        <a:t>sfm</a:t>
+                      </a:r>
+                      <a:endParaRPr lang="zh-TW" altLang="en-US" b="0" dirty="0"/>
+                    </a:p>
+                  </a:txBody>
+                  <a:tcPr/>
+                </a:tc>
+              </a:tr>
+              <a:tr h="446720">
+                <a:tc>
+                  <a:txBody>
+                    <a:bodyPr/>
+                    <a:lstStyle/>
+                    <a:p>
+                      <a:pPr algn="ctr"/>
+                      <a:r>
+                        <a:rPr lang="en-US" altLang="zh-TW" b="0" dirty="0" err="1" smtClean="0"/>
+                        <a:t>maxdom</a:t>
+                      </a:r>
+                      <a:endParaRPr lang="zh-TW" altLang="en-US" b="0" dirty="0"/>
+                    </a:p>
+                  </a:txBody>
+                  <a:tcPr/>
+                </a:tc>
+              </a:tr>
+            </a:tbl>
+          </a:graphicData>
+        </a:graphic>
+      </p:graphicFrame>
     </p:spTree>
     <p:extLst>
       <p:ext uri="{BB962C8B-B14F-4D97-AF65-F5344CB8AC3E}">
-        <p14:creationId xmlns:p14="http://schemas.microsoft.com/office/powerpoint/2010/main" val="395165192"/>
+        <p14:creationId xmlns:p14="http://schemas.microsoft.com/office/powerpoint/2010/main" val="1368665998"/>
       </p:ext>
     </p:extLst>
   </p:cSld>
@@ -5061,177 +8617,105 @@
           <a:lstStyle/>
           <a:p>
             <a:r>
+              <a:rPr kumimoji="1" lang="en-US" altLang="zh-TW" dirty="0"/>
+              <a:t>M</a:t>
+            </a:r>
+            <a:r>
               <a:rPr kumimoji="1" lang="en-US" altLang="zh-TW" dirty="0" smtClean="0"/>
-              <a:t>Extra </a:t>
-            </a:r>
-            <a:r>
-              <a:rPr kumimoji="1" lang="en-US" altLang="zh-TW" dirty="0"/>
-              <a:t>separated </a:t>
-            </a:r>
-            <a:r>
-              <a:rPr kumimoji="1" lang="en-US" altLang="zh-TW" dirty="0" smtClean="0"/>
-              <a:t>data (</a:t>
-            </a:r>
-            <a:r>
-              <a:rPr kumimoji="1" lang="en-US" altLang="zh-TW" dirty="0" err="1" smtClean="0"/>
-              <a:t>dession</a:t>
-            </a:r>
-            <a:r>
-              <a:rPr kumimoji="1" lang="en-US" altLang="zh-TW" dirty="0" smtClean="0"/>
-              <a:t> tree)</a:t>
+              <a:t>ethod</a:t>
             </a:r>
             <a:endParaRPr kumimoji="1" lang="zh-TW" altLang="en-US" dirty="0"/>
           </a:p>
         </p:txBody>
       </p:sp>
-      <p:pic>
-        <p:nvPicPr>
-          <p:cNvPr id="4" name="內容版面配置區 3"/>
-          <p:cNvPicPr>
-            <a:picLocks noGrp="1" noChangeAspect="1"/>
-          </p:cNvPicPr>
+      <p:sp>
+        <p:nvSpPr>
+          <p:cNvPr id="3" name="內容版面配置區 2"/>
+          <p:cNvSpPr>
+            <a:spLocks noGrp="1"/>
+          </p:cNvSpPr>
           <p:nvPr>
             <p:ph idx="1"/>
           </p:nvPr>
-        </p:nvPicPr>
-        <p:blipFill rotWithShape="1">
-          <a:blip r:embed="rId2">
-            <a:extLst>
-              <a:ext uri="{28A0092B-C50C-407E-A947-70E740481C1C}">
-                <a14:useLocalDpi xmlns:a14="http://schemas.microsoft.com/office/drawing/2010/main" val="0"/>
-              </a:ext>
-            </a:extLst>
-          </a:blip>
-          <a:srcRect t="2918"/>
-          <a:stretch/>
-        </p:blipFill>
-        <p:spPr>
-          <a:xfrm>
-            <a:off x="1204536" y="1762074"/>
-            <a:ext cx="6419583" cy="4560646"/>
-          </a:xfrm>
-        </p:spPr>
-      </p:pic>
-      <p:graphicFrame>
-        <p:nvGraphicFramePr>
-          <p:cNvPr id="5" name="表格 4"/>
-          <p:cNvGraphicFramePr>
-            <a:graphicFrameLocks noGrp="1"/>
-          </p:cNvGraphicFramePr>
-          <p:nvPr>
-            <p:extLst>
-              <p:ext uri="{D42A27DB-BD31-4B8C-83A1-F6EECF244321}">
-                <p14:modId xmlns:p14="http://schemas.microsoft.com/office/powerpoint/2010/main" val="2080998742"/>
-              </p:ext>
-            </p:extLst>
-          </p:nvPr>
-        </p:nvGraphicFramePr>
-        <p:xfrm>
-          <a:off x="7760042" y="2471351"/>
-          <a:ext cx="3321496" cy="2224216"/>
-        </p:xfrm>
-        <a:graphic>
-          <a:graphicData uri="http://schemas.openxmlformats.org/drawingml/2006/table">
-            <a:tbl>
-              <a:tblPr firstRow="1" bandRow="1">
-                <a:tableStyleId>{69CF1AB2-1976-4502-BF36-3FF5EA218861}</a:tableStyleId>
-              </a:tblPr>
-              <a:tblGrid>
-                <a:gridCol w="3321496"/>
-              </a:tblGrid>
-              <a:tr h="437336">
-                <a:tc>
-                  <a:txBody>
-                    <a:bodyPr/>
-                    <a:lstStyle/>
-                    <a:p>
-                      <a:pPr algn="ctr"/>
-                      <a:r>
-                        <a:rPr lang="en-US" altLang="zh-TW" b="0" dirty="0" err="1" smtClean="0"/>
-                        <a:t>meanful</a:t>
-                      </a:r>
-                      <a:endParaRPr lang="zh-TW" altLang="en-US" b="0" dirty="0"/>
-                    </a:p>
-                  </a:txBody>
-                  <a:tcPr/>
-                </a:tc>
-              </a:tr>
-              <a:tr h="446720">
-                <a:tc>
-                  <a:txBody>
-                    <a:bodyPr/>
-                    <a:lstStyle/>
-                    <a:p>
-                      <a:pPr algn="ctr"/>
-                      <a:r>
-                        <a:rPr lang="en-US" altLang="zh-TW" b="0" dirty="0" smtClean="0"/>
-                        <a:t>IQR</a:t>
-                      </a:r>
-                      <a:endParaRPr lang="zh-TW" altLang="en-US" b="0" dirty="0"/>
-                    </a:p>
-                  </a:txBody>
-                  <a:tcPr/>
-                </a:tc>
-              </a:tr>
-              <a:tr h="446720">
-                <a:tc>
-                  <a:txBody>
-                    <a:bodyPr/>
-                    <a:lstStyle/>
-                    <a:p>
-                      <a:pPr algn="ctr"/>
-                      <a:r>
-                        <a:rPr lang="en-US" altLang="zh-TW" b="0" dirty="0" err="1" smtClean="0"/>
-                        <a:t>minfun</a:t>
-                      </a:r>
-                      <a:endParaRPr lang="zh-TW" altLang="en-US" b="0" dirty="0"/>
-                    </a:p>
-                  </a:txBody>
-                  <a:tcPr/>
-                </a:tc>
-              </a:tr>
-              <a:tr h="446720">
-                <a:tc>
-                  <a:txBody>
-                    <a:bodyPr/>
-                    <a:lstStyle/>
-                    <a:p>
-                      <a:pPr algn="ctr"/>
-                      <a:r>
-                        <a:rPr lang="en-US" altLang="zh-TW" b="0" dirty="0" err="1" smtClean="0"/>
-                        <a:t>sfm</a:t>
-                      </a:r>
-                      <a:endParaRPr lang="zh-TW" altLang="en-US" b="0" dirty="0"/>
-                    </a:p>
-                  </a:txBody>
-                  <a:tcPr/>
-                </a:tc>
-              </a:tr>
-              <a:tr h="446720">
-                <a:tc>
-                  <a:txBody>
-                    <a:bodyPr/>
-                    <a:lstStyle/>
-                    <a:p>
-                      <a:pPr algn="ctr"/>
-                      <a:r>
-                        <a:rPr lang="en-US" altLang="zh-TW" b="0" dirty="0" err="1" smtClean="0"/>
-                        <a:t>maxdom</a:t>
-                      </a:r>
-                      <a:endParaRPr lang="zh-TW" altLang="en-US" b="0" dirty="0"/>
-                    </a:p>
-                  </a:txBody>
-                  <a:tcPr/>
-                </a:tc>
-              </a:tr>
-            </a:tbl>
-          </a:graphicData>
-        </a:graphic>
-      </p:graphicFrame>
+        </p:nvSpPr>
+        <p:spPr/>
+        <p:txBody>
+          <a:bodyPr/>
+          <a:lstStyle/>
+          <a:p>
+            <a:pPr>
+              <a:buFont typeface="Wingdings" charset="2"/>
+              <a:buChar char="l"/>
+            </a:pPr>
+            <a:r>
+              <a:rPr kumimoji="1" lang="en-US" altLang="zh-TW" sz="2500" dirty="0" smtClean="0"/>
+              <a:t> </a:t>
+            </a:r>
+            <a:r>
+              <a:rPr kumimoji="1" lang="en-US" altLang="zh-TW" sz="2500" dirty="0" err="1" smtClean="0"/>
+              <a:t>Libsvm</a:t>
+            </a:r>
+            <a:endParaRPr kumimoji="1" lang="en-US" altLang="zh-TW" sz="2500" dirty="0" smtClean="0"/>
+          </a:p>
+          <a:p>
+            <a:pPr>
+              <a:buFont typeface="Wingdings" charset="2"/>
+              <a:buChar char="l"/>
+            </a:pPr>
+            <a:r>
+              <a:rPr kumimoji="1" lang="zh-TW" altLang="en-US" sz="2500" dirty="0" smtClean="0"/>
+              <a:t>介紹，原理</a:t>
+            </a:r>
+            <a:endParaRPr kumimoji="1" lang="en-US" altLang="zh-TW" sz="2500" dirty="0" smtClean="0"/>
+          </a:p>
+          <a:p>
+            <a:pPr>
+              <a:buFont typeface="Wingdings" charset="2"/>
+              <a:buChar char="l"/>
+            </a:pPr>
+            <a:r>
+              <a:rPr kumimoji="1" lang="en-US" altLang="zh-TW" sz="2500" dirty="0" smtClean="0"/>
+              <a:t>Package</a:t>
+            </a:r>
+          </a:p>
+          <a:p>
+            <a:pPr>
+              <a:buFont typeface="Wingdings" charset="2"/>
+              <a:buChar char="l"/>
+            </a:pPr>
+            <a:r>
+              <a:rPr kumimoji="1" lang="zh-TW" altLang="en-US" sz="2500" dirty="0" smtClean="0"/>
+              <a:t>一些圖表</a:t>
+            </a:r>
+            <a:endParaRPr kumimoji="1" lang="en-US" altLang="zh-TW" sz="2500" dirty="0" smtClean="0"/>
+          </a:p>
+          <a:p>
+            <a:pPr>
+              <a:buFont typeface="Wingdings" charset="2"/>
+              <a:buChar char="l"/>
+            </a:pPr>
+            <a:endParaRPr kumimoji="1" lang="en-US" altLang="zh-TW" sz="2500" dirty="0" smtClean="0"/>
+          </a:p>
+          <a:p>
+            <a:pPr>
+              <a:buFont typeface="Wingdings" charset="2"/>
+              <a:buChar char="l"/>
+            </a:pPr>
+            <a:endParaRPr kumimoji="1" lang="en-US" altLang="zh-TW" sz="2500" dirty="0" smtClean="0"/>
+          </a:p>
+          <a:p>
+            <a:pPr>
+              <a:buFont typeface="Wingdings" charset="2"/>
+              <a:buChar char="l"/>
+            </a:pPr>
+            <a:endParaRPr kumimoji="1" lang="en-US" altLang="zh-TW" sz="2500" dirty="0"/>
+          </a:p>
+        </p:txBody>
+      </p:sp>
     </p:spTree>
     <p:extLst>
       <p:ext uri="{BB962C8B-B14F-4D97-AF65-F5344CB8AC3E}">
-        <p14:creationId xmlns:p14="http://schemas.microsoft.com/office/powerpoint/2010/main" val="1368665998"/>
+        <p14:creationId xmlns:p14="http://schemas.microsoft.com/office/powerpoint/2010/main" val="893082349"/>
       </p:ext>
     </p:extLst>
   </p:cSld>
@@ -5274,12 +8758,8 @@
           <a:lstStyle/>
           <a:p>
             <a:r>
-              <a:rPr kumimoji="1" lang="en-US" altLang="zh-TW" dirty="0"/>
-              <a:t>M</a:t>
-            </a:r>
-            <a:r>
-              <a:rPr kumimoji="1" lang="en-US" altLang="zh-TW" dirty="0" smtClean="0"/>
-              <a:t>ethod</a:t>
+              <a:rPr kumimoji="1" lang="en-US" altLang="zh-TW" dirty="0" err="1" smtClean="0"/>
+              <a:t>Libsvm</a:t>
             </a:r>
             <a:endParaRPr kumimoji="1" lang="zh-TW" altLang="en-US" dirty="0"/>
           </a:p>
@@ -5297,7 +8777,9 @@
         </p:nvSpPr>
         <p:spPr/>
         <p:txBody>
-          <a:bodyPr/>
+          <a:bodyPr>
+            <a:normAutofit/>
+          </a:bodyPr>
           <a:lstStyle/>
           <a:p>
             <a:pPr>
@@ -5305,42 +8787,53 @@
               <a:buChar char="l"/>
             </a:pPr>
             <a:r>
-              <a:rPr kumimoji="1" lang="en-US" altLang="zh-TW" sz="2500" dirty="0" smtClean="0"/>
+              <a:rPr kumimoji="1" lang="zh-TW" altLang="en-US" sz="3000" dirty="0" smtClean="0"/>
               <a:t> </a:t>
             </a:r>
             <a:r>
-              <a:rPr kumimoji="1" lang="en-US" altLang="zh-TW" sz="2500" dirty="0" err="1" smtClean="0"/>
-              <a:t>Libsvm</a:t>
-            </a:r>
-            <a:endParaRPr kumimoji="1" lang="en-US" altLang="zh-TW" sz="2500" smtClean="0"/>
+              <a:rPr kumimoji="1" lang="en-US" altLang="zh-TW" sz="3000" dirty="0" smtClean="0"/>
+              <a:t>library(e1071)</a:t>
+            </a:r>
           </a:p>
           <a:p>
             <a:pPr>
               <a:buFont typeface="Wingdings" charset="2"/>
               <a:buChar char="l"/>
             </a:pPr>
-            <a:endParaRPr kumimoji="1" lang="en-US" altLang="zh-TW" sz="2500" dirty="0" smtClean="0"/>
+            <a:r>
+              <a:rPr kumimoji="1" lang="zh-TW" altLang="en-US" sz="3000" dirty="0" smtClean="0"/>
+              <a:t> </a:t>
+            </a:r>
+            <a:r>
+              <a:rPr kumimoji="1" lang="en-US" altLang="zh-TW" sz="3000" dirty="0" smtClean="0"/>
+              <a:t>NTU Professor </a:t>
+            </a:r>
+            <a:r>
+              <a:rPr lang="en-US" altLang="zh-TW" sz="3200" dirty="0" err="1"/>
+              <a:t>Chih</a:t>
+            </a:r>
+            <a:r>
+              <a:rPr lang="en-US" altLang="zh-TW" sz="3200" dirty="0"/>
+              <a:t>-Jen </a:t>
+            </a:r>
+            <a:r>
+              <a:rPr lang="en-US" altLang="zh-TW" sz="3200" dirty="0" smtClean="0"/>
+              <a:t>Lin</a:t>
+            </a:r>
           </a:p>
           <a:p>
             <a:pPr>
               <a:buFont typeface="Wingdings" charset="2"/>
               <a:buChar char="l"/>
             </a:pPr>
-            <a:endParaRPr kumimoji="1" lang="en-US" altLang="zh-TW" sz="2500" dirty="0" smtClean="0"/>
-          </a:p>
-          <a:p>
-            <a:pPr>
-              <a:buFont typeface="Wingdings" charset="2"/>
-              <a:buChar char="l"/>
-            </a:pPr>
-            <a:endParaRPr kumimoji="1" lang="en-US" altLang="zh-TW" sz="2500" dirty="0"/>
+            <a:endParaRPr kumimoji="1" lang="zh-TW" altLang="en-US" sz="3000" dirty="0"/>
           </a:p>
         </p:txBody>
       </p:sp>
     </p:spTree>
     <p:extLst>
       <p:ext uri="{BB962C8B-B14F-4D97-AF65-F5344CB8AC3E}">
-        <p14:creationId xmlns:p14="http://schemas.microsoft.com/office/powerpoint/2010/main" val="893082349"/>
+        <p14:creationId xmlns:p14="http://schemas.microsoft.com/office/powerpoint/2010/main" val="2109003511"/>
       </p:ext>
     </p:extLst>
   </p:cSld>
@@ -5383,40 +8876,96 @@
           <a:lstStyle/>
           <a:p>
             <a:r>
+              <a:rPr kumimoji="1" lang="en-US" altLang="zh-TW" dirty="0" err="1" smtClean="0"/>
+              <a:t>Libsvm</a:t>
+            </a:r>
+            <a:endParaRPr kumimoji="1" lang="zh-TW" altLang="en-US" dirty="0"/>
+          </a:p>
+        </p:txBody>
+      </p:sp>
+      <p:pic>
+        <p:nvPicPr>
+          <p:cNvPr id="4" name="內容版面配置區 3"/>
+          <p:cNvPicPr>
+            <a:picLocks noGrp="1" noChangeAspect="1"/>
+          </p:cNvPicPr>
+          <p:nvPr>
+            <p:ph idx="1"/>
+          </p:nvPr>
+        </p:nvPicPr>
+        <p:blipFill>
+          <a:blip r:embed="rId2">
+            <a:extLst>
+              <a:ext uri="{28A0092B-C50C-407E-A947-70E740481C1C}">
+                <a14:useLocalDpi xmlns:a14="http://schemas.microsoft.com/office/drawing/2010/main" val="0"/>
+              </a:ext>
+            </a:extLst>
+          </a:blip>
+          <a:stretch>
+            <a:fillRect/>
+          </a:stretch>
+        </p:blipFill>
+        <p:spPr>
+          <a:xfrm>
+            <a:off x="1509713" y="2092325"/>
+            <a:ext cx="9232900" cy="3530600"/>
+          </a:xfrm>
+        </p:spPr>
+      </p:pic>
+      <p:sp>
+        <p:nvSpPr>
+          <p:cNvPr id="5" name="文字方塊 4"/>
+          <p:cNvSpPr txBox="1"/>
+          <p:nvPr/>
+        </p:nvSpPr>
+        <p:spPr>
+          <a:xfrm>
+            <a:off x="1509713" y="6426676"/>
+            <a:ext cx="8657175" cy="369332"/>
+          </a:xfrm>
+          <a:prstGeom prst="rect">
+            <a:avLst/>
+          </a:prstGeom>
+          <a:noFill/>
+        </p:spPr>
+        <p:txBody>
+          <a:bodyPr wrap="square" rtlCol="0">
+            <a:spAutoFit/>
+          </a:bodyPr>
+          <a:lstStyle/>
+          <a:p>
+            <a:r>
+              <a:rPr kumimoji="1" lang="en-US" altLang="zh-TW" dirty="0" smtClean="0"/>
+              <a:t>Source: https</a:t>
+            </a:r>
+            <a:r>
               <a:rPr kumimoji="1" lang="en-US" altLang="zh-TW" dirty="0"/>
-              <a:t>C</a:t>
-            </a:r>
-            <a:r>
-              <a:rPr kumimoji="1" lang="en-US" altLang="zh-TW" dirty="0" smtClean="0"/>
-              <a:t>omparison</a:t>
+              <a:t>://</a:t>
+            </a:r>
+            <a:r>
+              <a:rPr kumimoji="1" lang="en-US" altLang="zh-TW" dirty="0" err="1"/>
+              <a:t>www.youtube.com</a:t>
+            </a:r>
+            <a:r>
+              <a:rPr kumimoji="1" lang="en-US" altLang="zh-TW" dirty="0"/>
+              <a:t>/</a:t>
+            </a:r>
+            <a:r>
+              <a:rPr kumimoji="1" lang="en-US" altLang="zh-TW" dirty="0" err="1"/>
+              <a:t>watch?v</a:t>
+            </a:r>
+            <a:r>
+              <a:rPr kumimoji="1" lang="en-US" altLang="zh-TW" dirty="0"/>
+              <a:t>=N1vOgolbjSc</a:t>
             </a:r>
             <a:endParaRPr kumimoji="1" lang="zh-TW" altLang="en-US" dirty="0"/>
-          </a:p>
-        </p:txBody>
-      </p:sp>
-      <p:sp>
-        <p:nvSpPr>
-          <p:cNvPr id="3" name="內容版面配置區 2"/>
-          <p:cNvSpPr>
-            <a:spLocks noGrp="1"/>
-          </p:cNvSpPr>
-          <p:nvPr>
-            <p:ph idx="1"/>
-          </p:nvPr>
-        </p:nvSpPr>
-        <p:spPr/>
-        <p:txBody>
-          <a:bodyPr/>
-          <a:lstStyle/>
-          <a:p>
-            <a:endParaRPr kumimoji="1" lang="zh-TW" altLang="en-US"/>
           </a:p>
         </p:txBody>
       </p:sp>
     </p:spTree>
     <p:extLst>
       <p:ext uri="{BB962C8B-B14F-4D97-AF65-F5344CB8AC3E}">
-        <p14:creationId xmlns:p14="http://schemas.microsoft.com/office/powerpoint/2010/main" val="1700418164"/>
+        <p14:creationId xmlns:p14="http://schemas.microsoft.com/office/powerpoint/2010/main" val="1041381272"/>
       </p:ext>
     </p:extLst>
   </p:cSld>
@@ -5459,36 +9008,96 @@
           <a:lstStyle/>
           <a:p>
             <a:r>
+              <a:rPr kumimoji="1" lang="en-US" altLang="zh-TW" dirty="0" err="1"/>
+              <a:t>Libsvm</a:t>
+            </a:r>
+            <a:endParaRPr kumimoji="1" lang="zh-TW" altLang="en-US" dirty="0"/>
+          </a:p>
+        </p:txBody>
+      </p:sp>
+      <p:pic>
+        <p:nvPicPr>
+          <p:cNvPr id="4" name="內容版面配置區 3"/>
+          <p:cNvPicPr>
+            <a:picLocks noGrp="1" noChangeAspect="1"/>
+          </p:cNvPicPr>
+          <p:nvPr>
+            <p:ph idx="1"/>
+          </p:nvPr>
+        </p:nvPicPr>
+        <p:blipFill>
+          <a:blip r:embed="rId2">
+            <a:extLst>
+              <a:ext uri="{28A0092B-C50C-407E-A947-70E740481C1C}">
+                <a14:useLocalDpi xmlns:a14="http://schemas.microsoft.com/office/drawing/2010/main" val="0"/>
+              </a:ext>
+            </a:extLst>
+          </a:blip>
+          <a:stretch>
+            <a:fillRect/>
+          </a:stretch>
+        </p:blipFill>
+        <p:spPr>
+          <a:xfrm>
+            <a:off x="3505447" y="1846263"/>
+            <a:ext cx="5241432" cy="4022725"/>
+          </a:xfrm>
+        </p:spPr>
+      </p:pic>
+      <p:sp>
+        <p:nvSpPr>
+          <p:cNvPr id="5" name="文字方塊 4"/>
+          <p:cNvSpPr txBox="1"/>
+          <p:nvPr/>
+        </p:nvSpPr>
+        <p:spPr>
+          <a:xfrm>
+            <a:off x="1509713" y="6426676"/>
+            <a:ext cx="8657175" cy="369332"/>
+          </a:xfrm>
+          <a:prstGeom prst="rect">
+            <a:avLst/>
+          </a:prstGeom>
+          <a:noFill/>
+        </p:spPr>
+        <p:txBody>
+          <a:bodyPr wrap="square" rtlCol="0">
+            <a:spAutoFit/>
+          </a:bodyPr>
+          <a:lstStyle/>
+          <a:p>
+            <a:r>
               <a:rPr kumimoji="1" lang="en-US" altLang="zh-TW" dirty="0" smtClean="0"/>
-              <a:t>Publish to Shiny App</a:t>
+              <a:t>Source: https</a:t>
+            </a:r>
+            <a:r>
+              <a:rPr kumimoji="1" lang="en-US" altLang="zh-TW" dirty="0"/>
+              <a:t>://</a:t>
+            </a:r>
+            <a:r>
+              <a:rPr kumimoji="1" lang="en-US" altLang="zh-TW" dirty="0" err="1"/>
+              <a:t>www.youtube.com</a:t>
+            </a:r>
+            <a:r>
+              <a:rPr kumimoji="1" lang="en-US" altLang="zh-TW" dirty="0"/>
+              <a:t>/</a:t>
+            </a:r>
+            <a:r>
+              <a:rPr kumimoji="1" lang="en-US" altLang="zh-TW" dirty="0" err="1"/>
+              <a:t>watch?v</a:t>
+            </a:r>
+            <a:r>
+              <a:rPr kumimoji="1" lang="en-US" altLang="zh-TW" dirty="0"/>
+              <a:t>=N1vOgolbjSc</a:t>
             </a:r>
             <a:endParaRPr kumimoji="1" lang="zh-TW" altLang="en-US" dirty="0"/>
-          </a:p>
-        </p:txBody>
-      </p:sp>
-      <p:sp>
-        <p:nvSpPr>
-          <p:cNvPr id="3" name="內容版面配置區 2"/>
-          <p:cNvSpPr>
-            <a:spLocks noGrp="1"/>
-          </p:cNvSpPr>
-          <p:nvPr>
-            <p:ph idx="1"/>
-          </p:nvPr>
-        </p:nvSpPr>
-        <p:spPr/>
-        <p:txBody>
-          <a:bodyPr/>
-          <a:lstStyle/>
-          <a:p>
-            <a:endParaRPr kumimoji="1" lang="zh-TW" altLang="en-US"/>
           </a:p>
         </p:txBody>
       </p:sp>
     </p:spTree>
     <p:extLst>
       <p:ext uri="{BB962C8B-B14F-4D97-AF65-F5344CB8AC3E}">
-        <p14:creationId xmlns:p14="http://schemas.microsoft.com/office/powerpoint/2010/main" val="116033842"/>
+        <p14:creationId xmlns:p14="http://schemas.microsoft.com/office/powerpoint/2010/main" val="30556570"/>
       </p:ext>
     </p:extLst>
   </p:cSld>
